--- a/reports/weixiuai_image_docker.pptx
+++ b/reports/weixiuai_image_docker.pptx
@@ -23,14 +23,17 @@
     <p:sldId id="289" r:id="rId17"/>
     <p:sldId id="296" r:id="rId18"/>
     <p:sldId id="291" r:id="rId19"/>
-    <p:sldId id="271" r:id="rId20"/>
-    <p:sldId id="272" r:id="rId21"/>
-    <p:sldId id="274" r:id="rId22"/>
-    <p:sldId id="275" r:id="rId23"/>
-    <p:sldId id="276" r:id="rId24"/>
-    <p:sldId id="273" r:id="rId25"/>
-    <p:sldId id="277" r:id="rId26"/>
-    <p:sldId id="281" r:id="rId27"/>
+    <p:sldId id="297" r:id="rId20"/>
+    <p:sldId id="298" r:id="rId21"/>
+    <p:sldId id="299" r:id="rId22"/>
+    <p:sldId id="271" r:id="rId23"/>
+    <p:sldId id="272" r:id="rId24"/>
+    <p:sldId id="274" r:id="rId25"/>
+    <p:sldId id="275" r:id="rId26"/>
+    <p:sldId id="276" r:id="rId27"/>
+    <p:sldId id="273" r:id="rId28"/>
+    <p:sldId id="277" r:id="rId29"/>
+    <p:sldId id="281" r:id="rId30"/>
   </p:sldIdLst>
   <p:sldSz cx="12192000" cy="6858000"/>
   <p:notesSz cx="6858000" cy="9144000"/>
@@ -5281,7 +5284,7 @@
           <a:p>
             <a:r>
               <a:rPr lang="en-US" dirty="0"/>
-              <a:t>	docker run –rm –</a:t>
+              <a:t>	docker run –-rm –</a:t>
             </a:r>
             <a:r>
               <a:rPr lang="en-US" dirty="0" err="1"/>
@@ -5655,8 +5658,8 @@
         </p:nvSpPr>
         <p:spPr>
           <a:xfrm>
-            <a:off x="513908" y="1504986"/>
-            <a:ext cx="10439014" cy="5355312"/>
+            <a:off x="437708" y="1039230"/>
+            <a:ext cx="10439014" cy="7571303"/>
           </a:xfrm>
           <a:prstGeom prst="rect">
             <a:avLst/>
@@ -5679,6 +5682,60 @@
           </a:p>
           <a:p>
             <a:r>
+              <a:rPr lang="en-US" b="0" i="1" dirty="0">
+                <a:solidFill>
+                  <a:srgbClr val="292929"/>
+                </a:solidFill>
+                <a:effectLst/>
+                <a:latin typeface="source-code-pro"/>
+              </a:rPr>
+              <a:t>--volume //c/Users/kale/</a:t>
+            </a:r>
+            <a:r>
+              <a:rPr lang="en-US" b="0" i="1" dirty="0" err="1">
+                <a:solidFill>
+                  <a:srgbClr val="292929"/>
+                </a:solidFill>
+                <a:effectLst/>
+                <a:latin typeface="source-code-pro"/>
+              </a:rPr>
+              <a:t>my_project</a:t>
+            </a:r>
+            <a:r>
+              <a:rPr lang="en-US" b="0" i="1" dirty="0">
+                <a:solidFill>
+                  <a:srgbClr val="292929"/>
+                </a:solidFill>
+                <a:effectLst/>
+                <a:latin typeface="source-code-pro"/>
+              </a:rPr>
+              <a:t>:/home/project</a:t>
+            </a:r>
+          </a:p>
+          <a:p>
+            <a:endParaRPr lang="en-US" dirty="0"/>
+          </a:p>
+          <a:p>
+            <a:r>
+              <a:rPr lang="sv-SE" dirty="0"/>
+              <a:t>docker run –-rm –-volume //c/weixiuailight/model:/home/model  -ti weixiuailight-img /bin/sh</a:t>
+            </a:r>
+          </a:p>
+          <a:p>
+            <a:r>
+              <a:rPr lang="en-US" b="0" i="1" dirty="0">
+                <a:solidFill>
+                  <a:srgbClr val="292929"/>
+                </a:solidFill>
+                <a:effectLst/>
+                <a:latin typeface="source-code-pro"/>
+              </a:rPr>
+              <a:t> </a:t>
+            </a:r>
+            <a:endParaRPr lang="sv-SE" dirty="0"/>
+          </a:p>
+          <a:p>
+            <a:r>
               <a:rPr kumimoji="0" lang="en-US" altLang="en-US" sz="1800" b="0" i="0" u="none" strike="noStrike" cap="none" normalizeH="0" baseline="0" dirty="0">
                 <a:ln>
                   <a:noFill/>
@@ -5715,7 +5772,7 @@
                 <a:effectLst/>
                 <a:latin typeface="Arial" panose="020B0604020202020204" pitchFamily="34" charset="0"/>
               </a:rPr>
-              <a:t> -f </a:t>
+              <a:t>  -f </a:t>
             </a:r>
             <a:r>
               <a:rPr kumimoji="0" lang="en-US" altLang="en-US" sz="1800" b="0" i="0" u="none" strike="noStrike" cap="none" normalizeH="0" baseline="0" dirty="0" err="1">
@@ -5745,6 +5802,76 @@
             </a:r>
           </a:p>
           <a:p>
+            <a:endParaRPr lang="sv-SE" dirty="0"/>
+          </a:p>
+          <a:p>
+            <a:r>
+              <a:rPr kumimoji="0" lang="en-US" altLang="en-US" sz="1800" b="0" i="0" u="none" strike="noStrike" cap="none" normalizeH="0" baseline="0" dirty="0">
+                <a:ln>
+                  <a:noFill/>
+                </a:ln>
+                <a:solidFill>
+                  <a:schemeClr val="tx1"/>
+                </a:solidFill>
+                <a:effectLst/>
+                <a:latin typeface="Arial" panose="020B0604020202020204" pitchFamily="34" charset="0"/>
+              </a:rPr>
+              <a:t>docker build -t </a:t>
+            </a:r>
+            <a:r>
+              <a:rPr kumimoji="0" lang="en-US" altLang="en-US" sz="1800" b="0" i="0" u="none" strike="noStrike" cap="none" normalizeH="0" baseline="0" dirty="0" err="1">
+                <a:ln>
+                  <a:noFill/>
+                </a:ln>
+                <a:solidFill>
+                  <a:schemeClr val="tx1"/>
+                </a:solidFill>
+                <a:effectLst/>
+                <a:latin typeface="Arial" panose="020B0604020202020204" pitchFamily="34" charset="0"/>
+              </a:rPr>
+              <a:t>weixiuailight-img</a:t>
+            </a:r>
+            <a:r>
+              <a:rPr kumimoji="0" lang="en-US" altLang="en-US" sz="1800" b="0" i="0" u="none" strike="noStrike" cap="none" normalizeH="0" baseline="0" dirty="0">
+                <a:ln>
+                  <a:noFill/>
+                </a:ln>
+                <a:solidFill>
+                  <a:schemeClr val="tx1"/>
+                </a:solidFill>
+                <a:effectLst/>
+                <a:latin typeface="Arial" panose="020B0604020202020204" pitchFamily="34" charset="0"/>
+              </a:rPr>
+              <a:t>  -f </a:t>
+            </a:r>
+            <a:r>
+              <a:rPr kumimoji="0" lang="en-US" altLang="en-US" sz="1800" b="0" i="0" u="none" strike="noStrike" cap="none" normalizeH="0" baseline="0" dirty="0" err="1">
+                <a:ln>
+                  <a:noFill/>
+                </a:ln>
+                <a:solidFill>
+                  <a:schemeClr val="tx1"/>
+                </a:solidFill>
+                <a:effectLst/>
+                <a:latin typeface="Arial" panose="020B0604020202020204" pitchFamily="34" charset="0"/>
+              </a:rPr>
+              <a:t>Dockerfile</a:t>
+            </a:r>
+            <a:r>
+              <a:rPr kumimoji="0" lang="en-US" altLang="en-US" sz="1800" b="0" i="0" u="none" strike="noStrike" cap="none" normalizeH="0" baseline="0" dirty="0">
+                <a:ln>
+                  <a:noFill/>
+                </a:ln>
+                <a:solidFill>
+                  <a:schemeClr val="tx1"/>
+                </a:solidFill>
+                <a:effectLst/>
+                <a:latin typeface="Arial" panose="020B0604020202020204" pitchFamily="34" charset="0"/>
+              </a:rPr>
+              <a:t> .</a:t>
+            </a:r>
+          </a:p>
+          <a:p>
             <a:r>
               <a:rPr lang="en-US" dirty="0"/>
               <a:t>docker rm </a:t>
@@ -5773,6 +5900,9 @@
             </a:r>
           </a:p>
           <a:p>
+            <a:endParaRPr lang="sv-SE" dirty="0"/>
+          </a:p>
+          <a:p>
             <a:r>
               <a:rPr lang="sv-SE" dirty="0"/>
               <a:t>docker stop $(docker ps -q)  # only on bash</a:t>
@@ -5861,7 +5991,57 @@
                 <a:effectLst/>
                 <a:latin typeface="Monaco"/>
               </a:rPr>
-              <a:t>.azurecr.io</a:t>
+              <a:t>.azurecr.io </a:t>
+            </a:r>
+            <a:r>
+              <a:rPr lang="en-US" b="0" i="0" dirty="0" err="1">
+                <a:solidFill>
+                  <a:srgbClr val="000000"/>
+                </a:solidFill>
+                <a:effectLst/>
+                <a:latin typeface="Monaco"/>
+              </a:rPr>
+              <a:t>weixiuai</a:t>
+            </a:r>
+            <a:r>
+              <a:rPr lang="en-US" b="0" i="0" dirty="0">
+                <a:solidFill>
+                  <a:srgbClr val="000000"/>
+                </a:solidFill>
+                <a:effectLst/>
+                <a:latin typeface="Monaco"/>
+              </a:rPr>
+              <a:t>  </a:t>
+            </a:r>
+            <a:r>
+              <a:rPr lang="en-US" altLang="zh-CN" b="0" i="0" dirty="0">
+                <a:solidFill>
+                  <a:srgbClr val="000000"/>
+                </a:solidFill>
+                <a:effectLst/>
+                <a:latin typeface="Monaco"/>
+              </a:rPr>
+              <a:t>pw</a:t>
+            </a:r>
+            <a:r>
+              <a:rPr lang="zh-CN" altLang="en-US" b="0" i="0" dirty="0">
+                <a:solidFill>
+                  <a:srgbClr val="000000"/>
+                </a:solidFill>
+                <a:effectLst/>
+                <a:latin typeface="Monaco"/>
+              </a:rPr>
+              <a:t>：</a:t>
+            </a:r>
+            <a:r>
+              <a:rPr lang="en-US" altLang="zh-CN" b="0" i="0" dirty="0" err="1">
+                <a:solidFill>
+                  <a:srgbClr val="000000"/>
+                </a:solidFill>
+                <a:effectLst/>
+                <a:latin typeface="Monaco"/>
+              </a:rPr>
+              <a:t>xxxxxxx</a:t>
             </a:r>
             <a:endParaRPr lang="sv-SE" dirty="0"/>
           </a:p>
@@ -6004,7 +6184,7 @@
         </p:nvSpPr>
         <p:spPr>
           <a:xfrm>
-            <a:off x="130383" y="921031"/>
+            <a:off x="149433" y="596559"/>
             <a:ext cx="10643634" cy="369332"/>
           </a:xfrm>
           <a:prstGeom prst="rect">
@@ -6066,60 +6246,6 @@
       </p:grpSpPr>
       <p:sp>
         <p:nvSpPr>
-          <p:cNvPr id="6" name="TextBox 5">
-            <a:extLst>
-              <a:ext uri="{FF2B5EF4-FFF2-40B4-BE49-F238E27FC236}">
-                <a16:creationId xmlns:a16="http://schemas.microsoft.com/office/drawing/2014/main" id="{749465AA-4BC0-0056-8660-8F706F73D192}"/>
-              </a:ext>
-            </a:extLst>
-          </p:cNvPr>
-          <p:cNvSpPr txBox="1"/>
-          <p:nvPr/>
-        </p:nvSpPr>
-        <p:spPr>
-          <a:xfrm>
-            <a:off x="0" y="0"/>
-            <a:ext cx="12192000" cy="584775"/>
-          </a:xfrm>
-          <a:prstGeom prst="rect">
-            <a:avLst/>
-          </a:prstGeom>
-          <a:solidFill>
-            <a:srgbClr val="FFC000"/>
-          </a:solidFill>
-        </p:spPr>
-        <p:txBody>
-          <a:bodyPr wrap="square" rtlCol="0">
-            <a:spAutoFit/>
-          </a:bodyPr>
-          <a:lstStyle/>
-          <a:p>
-            <a:r>
-              <a:rPr lang="en-US" sz="3200" dirty="0">
-                <a:solidFill>
-                  <a:srgbClr val="002060"/>
-                </a:solidFill>
-              </a:rPr>
-              <a:t>Docker </a:t>
-            </a:r>
-            <a:r>
-              <a:rPr lang="en-US" sz="3200" dirty="0" err="1">
-                <a:solidFill>
-                  <a:srgbClr val="002060"/>
-                </a:solidFill>
-              </a:rPr>
-              <a:t>cheatsheet</a:t>
-            </a:r>
-            <a:endParaRPr lang="en-US" dirty="0">
-              <a:solidFill>
-                <a:srgbClr val="002060"/>
-              </a:solidFill>
-            </a:endParaRPr>
-          </a:p>
-        </p:txBody>
-      </p:sp>
-      <p:sp>
-        <p:nvSpPr>
           <p:cNvPr id="3" name="AutoShape 2" descr="🛠️">
             <a:extLst>
               <a:ext uri="{FF2B5EF4-FFF2-40B4-BE49-F238E27FC236}">
@@ -6165,10 +6291,10 @@
       </p:sp>
       <p:sp>
         <p:nvSpPr>
-          <p:cNvPr id="5" name="TextBox 4">
-            <a:extLst>
-              <a:ext uri="{FF2B5EF4-FFF2-40B4-BE49-F238E27FC236}">
-                <a16:creationId xmlns:a16="http://schemas.microsoft.com/office/drawing/2014/main" id="{06F3491A-49D7-3C35-9B37-6522D9264D89}"/>
+          <p:cNvPr id="4" name="TextBox 3">
+            <a:extLst>
+              <a:ext uri="{FF2B5EF4-FFF2-40B4-BE49-F238E27FC236}">
+                <a16:creationId xmlns:a16="http://schemas.microsoft.com/office/drawing/2014/main" id="{C7EE7522-5371-5A97-433A-295063740700}"/>
               </a:ext>
             </a:extLst>
           </p:cNvPr>
@@ -6177,8 +6303,8 @@
         </p:nvSpPr>
         <p:spPr>
           <a:xfrm>
-            <a:off x="586409" y="2008348"/>
-            <a:ext cx="10634870" cy="1077218"/>
+            <a:off x="437708" y="1039230"/>
+            <a:ext cx="10439014" cy="646331"/>
           </a:xfrm>
           <a:prstGeom prst="rect">
             <a:avLst/>
@@ -6192,35 +6318,538 @@
           <a:lstStyle/>
           <a:p>
             <a:r>
-              <a:rPr lang="en-US" sz="3600" dirty="0">
-                <a:hlinkClick r:id="rId2"/>
-              </a:rPr>
-              <a:t>https://dockerlabs.collabnix.com/docker/cheatsheet/</a:t>
-            </a:r>
-            <a:endParaRPr lang="en-US" sz="3600" dirty="0"/>
-          </a:p>
-          <a:p>
-            <a:endParaRPr lang="en-US" sz="1400" dirty="0"/>
-          </a:p>
-          <a:p>
-            <a:r>
-              <a:rPr lang="en-US" sz="1400" b="0" i="0" dirty="0">
-                <a:solidFill>
-                  <a:srgbClr val="555555"/>
-                </a:solidFill>
-                <a:effectLst/>
-                <a:latin typeface="Courier New" panose="02070309020205020404" pitchFamily="49" charset="0"/>
-              </a:rPr>
+              <a:rPr lang="en-US" dirty="0"/>
+              <a:t>  </a:t>
+            </a:r>
+            <a:endParaRPr lang="sv-SE" dirty="0"/>
+          </a:p>
+          <a:p>
+            <a:endParaRPr lang="en-US" dirty="0"/>
+          </a:p>
+        </p:txBody>
+      </p:sp>
+      <p:sp>
+        <p:nvSpPr>
+          <p:cNvPr id="2" name="TextBox 1">
+            <a:extLst>
+              <a:ext uri="{FF2B5EF4-FFF2-40B4-BE49-F238E27FC236}">
+                <a16:creationId xmlns:a16="http://schemas.microsoft.com/office/drawing/2014/main" id="{5103701E-5D0E-A5E9-EBFB-BC6D9C504D52}"/>
+              </a:ext>
+            </a:extLst>
+          </p:cNvPr>
+          <p:cNvSpPr txBox="1"/>
+          <p:nvPr/>
+        </p:nvSpPr>
+        <p:spPr>
+          <a:xfrm>
+            <a:off x="0" y="0"/>
+            <a:ext cx="12192000" cy="523220"/>
+          </a:xfrm>
+          <a:prstGeom prst="rect">
+            <a:avLst/>
+          </a:prstGeom>
+          <a:solidFill>
+            <a:srgbClr val="92D050"/>
+          </a:solidFill>
+        </p:spPr>
+        <p:txBody>
+          <a:bodyPr wrap="square" rtlCol="0">
+            <a:spAutoFit/>
+          </a:bodyPr>
+          <a:lstStyle/>
+          <a:p>
+            <a:r>
+              <a:rPr lang="en-US" sz="2800" dirty="0">
+                <a:solidFill>
+                  <a:srgbClr val="002060"/>
+                </a:solidFill>
+              </a:rPr>
+              <a:t>Hands-On: Let’s build a simple docker image and upload it!</a:t>
+            </a:r>
+          </a:p>
+        </p:txBody>
+      </p:sp>
+      <p:sp>
+        <p:nvSpPr>
+          <p:cNvPr id="7" name="TextBox 6">
+            <a:extLst>
+              <a:ext uri="{FF2B5EF4-FFF2-40B4-BE49-F238E27FC236}">
+                <a16:creationId xmlns:a16="http://schemas.microsoft.com/office/drawing/2014/main" id="{BF93755F-93A7-DEA5-0DA7-82124318DBF1}"/>
+              </a:ext>
+            </a:extLst>
+          </p:cNvPr>
+          <p:cNvSpPr txBox="1"/>
+          <p:nvPr/>
+        </p:nvSpPr>
+        <p:spPr>
+          <a:xfrm>
+            <a:off x="149433" y="596559"/>
+            <a:ext cx="10643634" cy="369332"/>
+          </a:xfrm>
+          <a:prstGeom prst="rect">
+            <a:avLst/>
+          </a:prstGeom>
+          <a:noFill/>
+        </p:spPr>
+        <p:txBody>
+          <a:bodyPr wrap="square">
+            <a:spAutoFit/>
+          </a:bodyPr>
+          <a:lstStyle/>
+          <a:p>
+            <a:r>
+              <a:rPr lang="sv-SE" dirty="0"/>
+              <a:t>Copy/Paste command for your exercise! </a:t>
+            </a:r>
+            <a:r>
+              <a:rPr lang="en-US" dirty="0"/>
               <a:t> </a:t>
             </a:r>
-            <a:endParaRPr lang="en-US" sz="1400" dirty="0"/>
+            <a:r>
+              <a:rPr lang="zh-CN" altLang="en-US" dirty="0"/>
+              <a:t>用到的命令，方便拷贝粘贴</a:t>
+            </a:r>
+            <a:endParaRPr lang="en-US" dirty="0"/>
+          </a:p>
+        </p:txBody>
+      </p:sp>
+      <p:sp>
+        <p:nvSpPr>
+          <p:cNvPr id="8" name="TextBox 7">
+            <a:extLst>
+              <a:ext uri="{FF2B5EF4-FFF2-40B4-BE49-F238E27FC236}">
+                <a16:creationId xmlns:a16="http://schemas.microsoft.com/office/drawing/2014/main" id="{8FCDEF30-2296-6020-BC82-AB62EC15D18A}"/>
+              </a:ext>
+            </a:extLst>
+          </p:cNvPr>
+          <p:cNvSpPr txBox="1"/>
+          <p:nvPr/>
+        </p:nvSpPr>
+        <p:spPr>
+          <a:xfrm>
+            <a:off x="66674" y="-6751052"/>
+            <a:ext cx="10887075" cy="16989266"/>
+          </a:xfrm>
+          <a:prstGeom prst="rect">
+            <a:avLst/>
+          </a:prstGeom>
+          <a:noFill/>
+        </p:spPr>
+        <p:txBody>
+          <a:bodyPr wrap="square">
+            <a:spAutoFit/>
+          </a:bodyPr>
+          <a:lstStyle/>
+          <a:p>
+            <a:endParaRPr lang="en-US" dirty="0"/>
+          </a:p>
+          <a:p>
+            <a:endParaRPr lang="en-US" dirty="0"/>
+          </a:p>
+          <a:p>
+            <a:r>
+              <a:rPr lang="en-US" dirty="0"/>
+              <a:t>docker container prune</a:t>
+            </a:r>
+          </a:p>
+          <a:p>
+            <a:r>
+              <a:rPr lang="en-US" dirty="0"/>
+              <a:t>docker system prune -a</a:t>
+            </a:r>
+          </a:p>
+          <a:p>
+            <a:r>
+              <a:rPr lang="en-US" dirty="0"/>
+              <a:t>docker </a:t>
+            </a:r>
+            <a:r>
+              <a:rPr lang="en-US" dirty="0" err="1"/>
+              <a:t>rmi</a:t>
+            </a:r>
+            <a:r>
+              <a:rPr lang="en-US" dirty="0"/>
+              <a:t> </a:t>
+            </a:r>
+          </a:p>
+          <a:p>
+            <a:r>
+              <a:rPr lang="en-US" dirty="0"/>
+              <a:t>docker rm </a:t>
+            </a:r>
+          </a:p>
+          <a:p>
+            <a:endParaRPr lang="en-US" dirty="0"/>
+          </a:p>
+          <a:p>
+            <a:r>
+              <a:rPr lang="en-US" dirty="0"/>
+              <a:t>docker attach</a:t>
+            </a:r>
+          </a:p>
+          <a:p>
+            <a:r>
+              <a:rPr lang="en-US" dirty="0"/>
+              <a:t>docker stats </a:t>
+            </a:r>
+          </a:p>
+          <a:p>
+            <a:r>
+              <a:rPr lang="en-US" dirty="0"/>
+              <a:t>docker pause</a:t>
+            </a:r>
+          </a:p>
+          <a:p>
+            <a:r>
+              <a:rPr lang="en-US" dirty="0"/>
+              <a:t>docker start/stop/kill/</a:t>
+            </a:r>
+            <a:r>
+              <a:rPr lang="en-US" dirty="0" err="1"/>
+              <a:t>unpause</a:t>
+            </a:r>
+            <a:endParaRPr lang="en-US" dirty="0"/>
+          </a:p>
+          <a:p>
+            <a:endParaRPr lang="en-US" dirty="0"/>
+          </a:p>
+          <a:p>
+            <a:endParaRPr lang="en-US" dirty="0"/>
+          </a:p>
+          <a:p>
+            <a:r>
+              <a:rPr lang="en-US" dirty="0"/>
+              <a:t>docker logs </a:t>
+            </a:r>
+            <a:r>
+              <a:rPr lang="en-US" dirty="0" err="1"/>
+              <a:t>weixiuai_container</a:t>
+            </a:r>
+            <a:r>
+              <a:rPr lang="en-US" dirty="0"/>
+              <a:t> ## will list what actions/commands</a:t>
+            </a:r>
+          </a:p>
+          <a:p>
+            <a:endParaRPr lang="en-US" dirty="0"/>
+          </a:p>
+          <a:p>
+            <a:endParaRPr lang="en-US" dirty="0"/>
+          </a:p>
+          <a:p>
+            <a:r>
+              <a:rPr lang="en-US" dirty="0"/>
+              <a:t>data management:</a:t>
+            </a:r>
+          </a:p>
+          <a:p>
+            <a:r>
+              <a:rPr lang="en-US" dirty="0"/>
+              <a:t>docker volume create v-</a:t>
+            </a:r>
+            <a:r>
+              <a:rPr lang="en-US" dirty="0" err="1"/>
+              <a:t>weixiuai</a:t>
+            </a:r>
+            <a:endParaRPr lang="en-US" dirty="0"/>
+          </a:p>
+          <a:p>
+            <a:r>
+              <a:rPr lang="en-US" dirty="0"/>
+              <a:t>docker volume list</a:t>
+            </a:r>
+          </a:p>
+          <a:p>
+            <a:r>
+              <a:rPr lang="en-US" dirty="0"/>
+              <a:t>docker volume ls </a:t>
+            </a:r>
+          </a:p>
+          <a:p>
+            <a:endParaRPr lang="en-US" dirty="0"/>
+          </a:p>
+          <a:p>
+            <a:r>
+              <a:rPr lang="en-US" dirty="0"/>
+              <a:t>docker run --mount source=v-</a:t>
+            </a:r>
+            <a:r>
+              <a:rPr lang="en-US" dirty="0" err="1"/>
+              <a:t>weixiuai,destination</a:t>
+            </a:r>
+            <a:r>
+              <a:rPr lang="en-US" dirty="0"/>
+              <a:t>=/home/data </a:t>
+            </a:r>
+            <a:r>
+              <a:rPr lang="en-US" dirty="0" err="1"/>
+              <a:t>weixiuailight-img</a:t>
+            </a:r>
+            <a:endParaRPr lang="en-US" dirty="0"/>
+          </a:p>
+          <a:p>
+            <a:r>
+              <a:rPr lang="en-US" dirty="0"/>
+              <a:t>docker volume rm v-</a:t>
+            </a:r>
+            <a:r>
+              <a:rPr lang="en-US" dirty="0" err="1"/>
+              <a:t>weixiuai</a:t>
+            </a:r>
+            <a:endParaRPr lang="en-US" dirty="0"/>
+          </a:p>
+          <a:p>
+            <a:r>
+              <a:rPr lang="en-US" dirty="0"/>
+              <a:t>docker volume prune </a:t>
+            </a:r>
+          </a:p>
+          <a:p>
+            <a:endParaRPr lang="en-US" dirty="0"/>
+          </a:p>
+          <a:p>
+            <a:endParaRPr lang="en-US" dirty="0"/>
+          </a:p>
+          <a:p>
+            <a:r>
+              <a:rPr lang="en-US" dirty="0"/>
+              <a:t>docker cp  </a:t>
+            </a:r>
+            <a:r>
+              <a:rPr lang="en-US" dirty="0" err="1"/>
+              <a:t>eager_moore</a:t>
+            </a:r>
+            <a:r>
+              <a:rPr lang="en-US" dirty="0"/>
+              <a:t>  /home/scripts /var/lib/docker/volumes/v-</a:t>
+            </a:r>
+            <a:r>
+              <a:rPr lang="en-US" dirty="0" err="1"/>
+              <a:t>weixiuai</a:t>
+            </a:r>
+            <a:r>
+              <a:rPr lang="en-US" dirty="0"/>
+              <a:t>/_data</a:t>
+            </a:r>
+          </a:p>
+          <a:p>
+            <a:endParaRPr lang="en-US" dirty="0"/>
+          </a:p>
+          <a:p>
+            <a:r>
+              <a:rPr lang="en-US" dirty="0"/>
+              <a:t>\\wsl.localhost\docker-desktop</a:t>
+            </a:r>
+          </a:p>
+          <a:p>
+            <a:r>
+              <a:rPr lang="en-US" dirty="0"/>
+              <a:t>"\\wsl.localhost\docker-desktop\var\lib"</a:t>
+            </a:r>
+          </a:p>
+          <a:p>
+            <a:endParaRPr lang="en-US" dirty="0"/>
+          </a:p>
+          <a:p>
+            <a:r>
+              <a:rPr lang="en-US" dirty="0"/>
+              <a:t>docker cp  </a:t>
+            </a:r>
+            <a:r>
+              <a:rPr lang="en-US" dirty="0" err="1"/>
+              <a:t>eager_moore</a:t>
+            </a:r>
+            <a:r>
+              <a:rPr lang="en-US" dirty="0"/>
+              <a:t>:/home/scripts \\wsl.localhost\docker-desktop\var\lib]docker\volumes\v-weixiuai\_data</a:t>
+            </a:r>
+          </a:p>
+          <a:p>
+            <a:endParaRPr lang="en-US" dirty="0"/>
+          </a:p>
+          <a:p>
+            <a:endParaRPr lang="en-US" dirty="0"/>
+          </a:p>
+          <a:p>
+            <a:r>
+              <a:rPr lang="en-US" dirty="0"/>
+              <a:t>network: </a:t>
+            </a:r>
+          </a:p>
+          <a:p>
+            <a:endParaRPr lang="en-US" dirty="0"/>
+          </a:p>
+          <a:p>
+            <a:r>
+              <a:rPr lang="en-US" dirty="0"/>
+              <a:t>docker run -d -p 5000:5000 training/webapp python app.py</a:t>
+            </a:r>
+          </a:p>
+          <a:p>
+            <a:r>
+              <a:rPr lang="en-US" dirty="0"/>
+              <a:t>docker run -d -p 127.0.0.1:5000:5000 training/webapp python app.py</a:t>
+            </a:r>
+          </a:p>
+          <a:p>
+            <a:r>
+              <a:rPr lang="en-US" dirty="0"/>
+              <a:t>docker run -d -p 127.0.0.1:5000:5000/</a:t>
+            </a:r>
+            <a:r>
+              <a:rPr lang="en-US" dirty="0" err="1"/>
+              <a:t>udp</a:t>
+            </a:r>
+            <a:r>
+              <a:rPr lang="en-US" dirty="0"/>
+              <a:t> training/webapp python app.py</a:t>
+            </a:r>
+          </a:p>
+          <a:p>
+            <a:endParaRPr lang="en-US" dirty="0"/>
+          </a:p>
+          <a:p>
+            <a:r>
+              <a:rPr lang="en-US" dirty="0"/>
+              <a:t>check which port for the container: </a:t>
+            </a:r>
+          </a:p>
+          <a:p>
+            <a:r>
+              <a:rPr lang="en-US" dirty="0"/>
+              <a:t>docker port </a:t>
+            </a:r>
+            <a:r>
+              <a:rPr lang="en-US" dirty="0" err="1"/>
+              <a:t>weixiuai</a:t>
+            </a:r>
+            <a:endParaRPr lang="en-US" dirty="0"/>
+          </a:p>
+          <a:p>
+            <a:endParaRPr lang="en-US" dirty="0"/>
+          </a:p>
+          <a:p>
+            <a:r>
+              <a:rPr lang="en-US" dirty="0"/>
+              <a:t>container interconnection</a:t>
+            </a:r>
+          </a:p>
+          <a:p>
+            <a:endParaRPr lang="en-US" dirty="0"/>
+          </a:p>
+          <a:p>
+            <a:endParaRPr lang="en-US" dirty="0"/>
+          </a:p>
+          <a:p>
+            <a:r>
+              <a:rPr lang="en-US" dirty="0"/>
+              <a:t>bridge – User-defined bridge networks,  multiple containers on the same host to communicate.</a:t>
+            </a:r>
+          </a:p>
+          <a:p>
+            <a:r>
+              <a:rPr lang="en-US" dirty="0"/>
+              <a:t>host – Host networks, best when network stacks not to be isolated from the docker host.</a:t>
+            </a:r>
+          </a:p>
+          <a:p>
+            <a:r>
+              <a:rPr lang="en-US" dirty="0"/>
+              <a:t>overlay – Overlay networks, different hosts to communicate </a:t>
+            </a:r>
+          </a:p>
+          <a:p>
+            <a:r>
+              <a:rPr lang="en-US" dirty="0" err="1"/>
+              <a:t>macvlan</a:t>
+            </a:r>
+            <a:r>
+              <a:rPr lang="en-US" dirty="0"/>
+              <a:t> – </a:t>
+            </a:r>
+            <a:r>
+              <a:rPr lang="en-US" dirty="0" err="1"/>
+              <a:t>Macvlan</a:t>
+            </a:r>
+            <a:r>
+              <a:rPr lang="en-US" dirty="0"/>
+              <a:t> networks, best when migrating from a VM setup or containers need to look like physical hosts.</a:t>
+            </a:r>
+          </a:p>
+          <a:p>
+            <a:r>
+              <a:rPr lang="en-US" dirty="0"/>
+              <a:t>Network plugins – Third-party network plugins allow you to integrate Docker with specialized network stacks.</a:t>
+            </a:r>
+          </a:p>
+          <a:p>
+            <a:endParaRPr lang="en-US" dirty="0"/>
+          </a:p>
+          <a:p>
+            <a:endParaRPr lang="en-US" dirty="0"/>
+          </a:p>
+          <a:p>
+            <a:endParaRPr lang="en-US" dirty="0"/>
+          </a:p>
+          <a:p>
+            <a:r>
+              <a:rPr lang="en-US" dirty="0"/>
+              <a:t>docker network create -d bridge my-bridge-</a:t>
+            </a:r>
+            <a:r>
+              <a:rPr lang="en-US" dirty="0" err="1"/>
+              <a:t>nwk</a:t>
+            </a:r>
+            <a:endParaRPr lang="en-US" dirty="0"/>
+          </a:p>
+          <a:p>
+            <a:r>
+              <a:rPr lang="en-US" dirty="0"/>
+              <a:t>docker run -it --rm --name busybox1 --network my-bridge-</a:t>
+            </a:r>
+            <a:r>
+              <a:rPr lang="en-US" dirty="0" err="1"/>
+              <a:t>nwk</a:t>
+            </a:r>
+            <a:r>
+              <a:rPr lang="en-US" dirty="0"/>
+              <a:t> </a:t>
+            </a:r>
+            <a:r>
+              <a:rPr lang="en-US" dirty="0" err="1"/>
+              <a:t>busybox</a:t>
+            </a:r>
+            <a:r>
+              <a:rPr lang="en-US" dirty="0"/>
+              <a:t> </a:t>
+            </a:r>
+            <a:r>
+              <a:rPr lang="en-US" dirty="0" err="1"/>
+              <a:t>sh</a:t>
+            </a:r>
+            <a:endParaRPr lang="en-US" dirty="0"/>
+          </a:p>
+          <a:p>
+            <a:endParaRPr lang="en-US" dirty="0"/>
+          </a:p>
+          <a:p>
+            <a:endParaRPr lang="en-US" dirty="0"/>
+          </a:p>
+          <a:p>
+            <a:endParaRPr lang="en-US" dirty="0"/>
+          </a:p>
+          <a:p>
+            <a:endParaRPr lang="en-US" dirty="0"/>
+          </a:p>
+          <a:p>
+            <a:endParaRPr lang="en-US" dirty="0"/>
           </a:p>
         </p:txBody>
       </p:sp>
     </p:spTree>
     <p:extLst>
       <p:ext uri="{BB962C8B-B14F-4D97-AF65-F5344CB8AC3E}">
-        <p14:creationId xmlns:p14="http://schemas.microsoft.com/office/powerpoint/2010/main" val="2144953130"/>
+        <p14:creationId xmlns:p14="http://schemas.microsoft.com/office/powerpoint/2010/main" val="506737879"/>
       </p:ext>
     </p:extLst>
   </p:cSld>
@@ -7605,57 +8234,6 @@
       </p:grpSpPr>
       <p:sp>
         <p:nvSpPr>
-          <p:cNvPr id="6" name="TextBox 5">
-            <a:extLst>
-              <a:ext uri="{FF2B5EF4-FFF2-40B4-BE49-F238E27FC236}">
-                <a16:creationId xmlns:a16="http://schemas.microsoft.com/office/drawing/2014/main" id="{749465AA-4BC0-0056-8660-8F706F73D192}"/>
-              </a:ext>
-            </a:extLst>
-          </p:cNvPr>
-          <p:cNvSpPr txBox="1"/>
-          <p:nvPr/>
-        </p:nvSpPr>
-        <p:spPr>
-          <a:xfrm>
-            <a:off x="0" y="0"/>
-            <a:ext cx="1266357" cy="954107"/>
-          </a:xfrm>
-          <a:prstGeom prst="rect">
-            <a:avLst/>
-          </a:prstGeom>
-          <a:solidFill>
-            <a:srgbClr val="FFC000"/>
-          </a:solidFill>
-        </p:spPr>
-        <p:txBody>
-          <a:bodyPr wrap="square" rtlCol="0">
-            <a:spAutoFit/>
-          </a:bodyPr>
-          <a:lstStyle/>
-          <a:p>
-            <a:r>
-              <a:rPr lang="en-US" sz="2800" dirty="0">
-                <a:solidFill>
-                  <a:srgbClr val="002060"/>
-                </a:solidFill>
-              </a:rPr>
-              <a:t>Docker</a:t>
-            </a:r>
-          </a:p>
-          <a:p>
-            <a:r>
-              <a:rPr lang="en-US" sz="2800" dirty="0">
-                <a:solidFill>
-                  <a:srgbClr val="002060"/>
-                </a:solidFill>
-              </a:rPr>
-              <a:t>Help</a:t>
-            </a:r>
-          </a:p>
-        </p:txBody>
-      </p:sp>
-      <p:sp>
-        <p:nvSpPr>
           <p:cNvPr id="3" name="AutoShape 2" descr="🛠️">
             <a:extLst>
               <a:ext uri="{FF2B5EF4-FFF2-40B4-BE49-F238E27FC236}">
@@ -7699,40 +8277,1094 @@
           </a:p>
         </p:txBody>
       </p:sp>
-      <p:pic>
-        <p:nvPicPr>
-          <p:cNvPr id="4" name="Picture 3">
-            <a:extLst>
-              <a:ext uri="{FF2B5EF4-FFF2-40B4-BE49-F238E27FC236}">
-                <a16:creationId xmlns:a16="http://schemas.microsoft.com/office/drawing/2014/main" id="{C2C6A7A8-30B5-436F-3105-341B4725F09D}"/>
-              </a:ext>
-            </a:extLst>
-          </p:cNvPr>
-          <p:cNvPicPr>
-            <a:picLocks noChangeAspect="1"/>
-          </p:cNvPicPr>
+      <p:sp>
+        <p:nvSpPr>
+          <p:cNvPr id="4" name="TextBox 3">
+            <a:extLst>
+              <a:ext uri="{FF2B5EF4-FFF2-40B4-BE49-F238E27FC236}">
+                <a16:creationId xmlns:a16="http://schemas.microsoft.com/office/drawing/2014/main" id="{C7EE7522-5371-5A97-433A-295063740700}"/>
+              </a:ext>
+            </a:extLst>
+          </p:cNvPr>
+          <p:cNvSpPr txBox="1"/>
           <p:nvPr/>
-        </p:nvPicPr>
-        <p:blipFill>
-          <a:blip r:embed="rId2"/>
-          <a:stretch>
-            <a:fillRect/>
-          </a:stretch>
-        </p:blipFill>
+        </p:nvSpPr>
         <p:spPr>
           <a:xfrm>
-            <a:off x="1564530" y="0"/>
-            <a:ext cx="9659288" cy="6858000"/>
+            <a:off x="437708" y="1039230"/>
+            <a:ext cx="10439014" cy="11449288"/>
           </a:xfrm>
           <a:prstGeom prst="rect">
             <a:avLst/>
           </a:prstGeom>
-        </p:spPr>
-      </p:pic>
+          <a:noFill/>
+        </p:spPr>
+        <p:txBody>
+          <a:bodyPr wrap="square">
+            <a:spAutoFit/>
+          </a:bodyPr>
+          <a:lstStyle/>
+          <a:p>
+            <a:r>
+              <a:rPr lang="en-US" dirty="0"/>
+              <a:t>  </a:t>
+            </a:r>
+            <a:endParaRPr lang="sv-SE" dirty="0"/>
+          </a:p>
+          <a:p>
+            <a:r>
+              <a:rPr lang="en-US" dirty="0"/>
+              <a:t>Docker compose – multiple image</a:t>
+            </a:r>
+          </a:p>
+          <a:p>
+            <a:endParaRPr lang="en-US" dirty="0"/>
+          </a:p>
+          <a:p>
+            <a:r>
+              <a:rPr lang="en-US" dirty="0"/>
+              <a:t>service and project </a:t>
+            </a:r>
+          </a:p>
+          <a:p>
+            <a:endParaRPr lang="en-US" dirty="0"/>
+          </a:p>
+          <a:p>
+            <a:endParaRPr lang="en-US" dirty="0"/>
+          </a:p>
+          <a:p>
+            <a:pPr algn="l">
+              <a:buFont typeface="Arial" panose="020B0604020202020204" pitchFamily="34" charset="0"/>
+              <a:buChar char="•"/>
+            </a:pPr>
+            <a:r>
+              <a:rPr lang="en-US" b="0" i="0" u="none" strike="noStrike" dirty="0">
+                <a:solidFill>
+                  <a:srgbClr val="333333"/>
+                </a:solidFill>
+                <a:effectLst/>
+                <a:latin typeface="Lato" panose="020F0502020204030203" pitchFamily="34" charset="0"/>
+                <a:hlinkClick r:id="rId2" tooltip="Docker-compose commands cheatsheet"/>
+              </a:rPr>
+              <a:t>Docker-compose commands </a:t>
+            </a:r>
+            <a:r>
+              <a:rPr lang="en-US" b="0" i="0" u="none" strike="noStrike" dirty="0" err="1">
+                <a:solidFill>
+                  <a:srgbClr val="333333"/>
+                </a:solidFill>
+                <a:effectLst/>
+                <a:latin typeface="Lato" panose="020F0502020204030203" pitchFamily="34" charset="0"/>
+                <a:hlinkClick r:id="rId2" tooltip="Docker-compose commands cheatsheet"/>
+              </a:rPr>
+              <a:t>cheatsheet</a:t>
+            </a:r>
+            <a:endParaRPr lang="en-US" b="0" i="0" dirty="0">
+              <a:solidFill>
+                <a:srgbClr val="404040"/>
+              </a:solidFill>
+              <a:effectLst/>
+              <a:latin typeface="Lato" panose="020F0502020204030203" pitchFamily="34" charset="0"/>
+            </a:endParaRPr>
+          </a:p>
+          <a:p>
+            <a:pPr marL="742950" lvl="1" indent="-285750" algn="l">
+              <a:buFont typeface="Arial" panose="020B0604020202020204" pitchFamily="34" charset="0"/>
+              <a:buChar char="•"/>
+            </a:pPr>
+            <a:r>
+              <a:rPr lang="en-US" b="0" i="0" u="none" strike="noStrike" dirty="0">
+                <a:solidFill>
+                  <a:srgbClr val="333333"/>
+                </a:solidFill>
+                <a:effectLst/>
+                <a:latin typeface="Lato" panose="020F0502020204030203" pitchFamily="34" charset="0"/>
+                <a:hlinkClick r:id="rId3" tooltip="docker-compose up"/>
+              </a:rPr>
+              <a:t>docker-compose up</a:t>
+            </a:r>
+            <a:endParaRPr lang="en-US" b="0" i="0" dirty="0">
+              <a:solidFill>
+                <a:srgbClr val="404040"/>
+              </a:solidFill>
+              <a:effectLst/>
+              <a:latin typeface="Lato" panose="020F0502020204030203" pitchFamily="34" charset="0"/>
+            </a:endParaRPr>
+          </a:p>
+          <a:p>
+            <a:pPr marL="742950" lvl="1" indent="-285750" algn="l">
+              <a:buFont typeface="Arial" panose="020B0604020202020204" pitchFamily="34" charset="0"/>
+              <a:buChar char="•"/>
+            </a:pPr>
+            <a:r>
+              <a:rPr lang="en-US" b="0" i="0" u="none" strike="noStrike" dirty="0">
+                <a:solidFill>
+                  <a:srgbClr val="333333"/>
+                </a:solidFill>
+                <a:effectLst/>
+                <a:latin typeface="Lato" panose="020F0502020204030203" pitchFamily="34" charset="0"/>
+                <a:hlinkClick r:id="rId4" tooltip="docker-compose down"/>
+              </a:rPr>
+              <a:t>docker-compose down</a:t>
+            </a:r>
+            <a:endParaRPr lang="en-US" b="0" i="0" dirty="0">
+              <a:solidFill>
+                <a:srgbClr val="404040"/>
+              </a:solidFill>
+              <a:effectLst/>
+              <a:latin typeface="Lato" panose="020F0502020204030203" pitchFamily="34" charset="0"/>
+            </a:endParaRPr>
+          </a:p>
+          <a:p>
+            <a:pPr marL="742950" lvl="1" indent="-285750" algn="l">
+              <a:buFont typeface="Arial" panose="020B0604020202020204" pitchFamily="34" charset="0"/>
+              <a:buChar char="•"/>
+            </a:pPr>
+            <a:r>
+              <a:rPr lang="en-US" b="0" i="0" u="none" strike="noStrike" dirty="0">
+                <a:solidFill>
+                  <a:srgbClr val="333333"/>
+                </a:solidFill>
+                <a:effectLst/>
+                <a:latin typeface="Lato" panose="020F0502020204030203" pitchFamily="34" charset="0"/>
+                <a:hlinkClick r:id="rId5" tooltip="docker-compose ps"/>
+              </a:rPr>
+              <a:t>docker-compose </a:t>
+            </a:r>
+            <a:r>
+              <a:rPr lang="en-US" b="0" i="0" u="none" strike="noStrike" dirty="0" err="1">
+                <a:solidFill>
+                  <a:srgbClr val="333333"/>
+                </a:solidFill>
+                <a:effectLst/>
+                <a:latin typeface="Lato" panose="020F0502020204030203" pitchFamily="34" charset="0"/>
+                <a:hlinkClick r:id="rId5" tooltip="docker-compose ps"/>
+              </a:rPr>
+              <a:t>ps</a:t>
+            </a:r>
+            <a:endParaRPr lang="en-US" b="0" i="0" dirty="0">
+              <a:solidFill>
+                <a:srgbClr val="404040"/>
+              </a:solidFill>
+              <a:effectLst/>
+              <a:latin typeface="Lato" panose="020F0502020204030203" pitchFamily="34" charset="0"/>
+            </a:endParaRPr>
+          </a:p>
+          <a:p>
+            <a:pPr marL="742950" lvl="1" indent="-285750" algn="l">
+              <a:buFont typeface="Arial" panose="020B0604020202020204" pitchFamily="34" charset="0"/>
+              <a:buChar char="•"/>
+            </a:pPr>
+            <a:r>
+              <a:rPr lang="en-US" b="0" i="0" u="none" strike="noStrike" dirty="0">
+                <a:solidFill>
+                  <a:srgbClr val="333333"/>
+                </a:solidFill>
+                <a:effectLst/>
+                <a:latin typeface="Lato" panose="020F0502020204030203" pitchFamily="34" charset="0"/>
+                <a:hlinkClick r:id="rId6" tooltip="docker-compose bundle"/>
+              </a:rPr>
+              <a:t>docker-compose bundle</a:t>
+            </a:r>
+            <a:endParaRPr lang="en-US" b="0" i="0" dirty="0">
+              <a:solidFill>
+                <a:srgbClr val="404040"/>
+              </a:solidFill>
+              <a:effectLst/>
+              <a:latin typeface="Lato" panose="020F0502020204030203" pitchFamily="34" charset="0"/>
+            </a:endParaRPr>
+          </a:p>
+          <a:p>
+            <a:pPr marL="742950" lvl="1" indent="-285750" algn="l">
+              <a:buFont typeface="Arial" panose="020B0604020202020204" pitchFamily="34" charset="0"/>
+              <a:buChar char="•"/>
+            </a:pPr>
+            <a:r>
+              <a:rPr lang="en-US" b="0" i="0" u="none" strike="noStrike" dirty="0">
+                <a:solidFill>
+                  <a:srgbClr val="333333"/>
+                </a:solidFill>
+                <a:effectLst/>
+                <a:latin typeface="Lato" panose="020F0502020204030203" pitchFamily="34" charset="0"/>
+                <a:hlinkClick r:id="rId7" tooltip="docker-compose config"/>
+              </a:rPr>
+              <a:t>docker-compose config</a:t>
+            </a:r>
+            <a:endParaRPr lang="en-US" b="0" i="0" dirty="0">
+              <a:solidFill>
+                <a:srgbClr val="404040"/>
+              </a:solidFill>
+              <a:effectLst/>
+              <a:latin typeface="Lato" panose="020F0502020204030203" pitchFamily="34" charset="0"/>
+            </a:endParaRPr>
+          </a:p>
+          <a:p>
+            <a:pPr marL="742950" lvl="1" indent="-285750" algn="l">
+              <a:buFont typeface="Arial" panose="020B0604020202020204" pitchFamily="34" charset="0"/>
+              <a:buChar char="•"/>
+            </a:pPr>
+            <a:r>
+              <a:rPr lang="en-US" b="0" i="0" u="none" strike="noStrike" dirty="0">
+                <a:solidFill>
+                  <a:srgbClr val="333333"/>
+                </a:solidFill>
+                <a:effectLst/>
+                <a:latin typeface="Lato" panose="020F0502020204030203" pitchFamily="34" charset="0"/>
+                <a:hlinkClick r:id="rId8" tooltip="docker-compose events"/>
+              </a:rPr>
+              <a:t>docker-compose events</a:t>
+            </a:r>
+            <a:endParaRPr lang="en-US" b="0" i="0" dirty="0">
+              <a:solidFill>
+                <a:srgbClr val="404040"/>
+              </a:solidFill>
+              <a:effectLst/>
+              <a:latin typeface="Lato" panose="020F0502020204030203" pitchFamily="34" charset="0"/>
+            </a:endParaRPr>
+          </a:p>
+          <a:p>
+            <a:pPr marL="742950" lvl="1" indent="-285750" algn="l">
+              <a:buFont typeface="Arial" panose="020B0604020202020204" pitchFamily="34" charset="0"/>
+              <a:buChar char="•"/>
+            </a:pPr>
+            <a:r>
+              <a:rPr lang="en-US" b="0" i="0" u="none" strike="noStrike" dirty="0">
+                <a:solidFill>
+                  <a:srgbClr val="333333"/>
+                </a:solidFill>
+                <a:effectLst/>
+                <a:latin typeface="Lato" panose="020F0502020204030203" pitchFamily="34" charset="0"/>
+                <a:hlinkClick r:id="rId9" tooltip="docker-compose logs"/>
+              </a:rPr>
+              <a:t>docker-compose logs</a:t>
+            </a:r>
+            <a:endParaRPr lang="en-US" b="0" i="0" dirty="0">
+              <a:solidFill>
+                <a:srgbClr val="404040"/>
+              </a:solidFill>
+              <a:effectLst/>
+              <a:latin typeface="Lato" panose="020F0502020204030203" pitchFamily="34" charset="0"/>
+            </a:endParaRPr>
+          </a:p>
+          <a:p>
+            <a:pPr marL="742950" lvl="1" indent="-285750" algn="l">
+              <a:buFont typeface="Arial" panose="020B0604020202020204" pitchFamily="34" charset="0"/>
+              <a:buChar char="•"/>
+            </a:pPr>
+            <a:r>
+              <a:rPr lang="en-US" b="0" i="0" u="none" strike="noStrike" dirty="0">
+                <a:solidFill>
+                  <a:srgbClr val="333333"/>
+                </a:solidFill>
+                <a:effectLst/>
+                <a:latin typeface="Lato" panose="020F0502020204030203" pitchFamily="34" charset="0"/>
+                <a:hlinkClick r:id="rId10" tooltip="docker-compose port"/>
+              </a:rPr>
+              <a:t>docker-compose port</a:t>
+            </a:r>
+            <a:endParaRPr lang="en-US" b="0" i="0" dirty="0">
+              <a:solidFill>
+                <a:srgbClr val="404040"/>
+              </a:solidFill>
+              <a:effectLst/>
+              <a:latin typeface="Lato" panose="020F0502020204030203" pitchFamily="34" charset="0"/>
+            </a:endParaRPr>
+          </a:p>
+          <a:p>
+            <a:pPr marL="742950" lvl="1" indent="-285750" algn="l">
+              <a:buFont typeface="Arial" panose="020B0604020202020204" pitchFamily="34" charset="0"/>
+              <a:buChar char="•"/>
+            </a:pPr>
+            <a:r>
+              <a:rPr lang="en-US" b="0" i="0" u="none" strike="noStrike" dirty="0">
+                <a:solidFill>
+                  <a:srgbClr val="333333"/>
+                </a:solidFill>
+                <a:effectLst/>
+                <a:latin typeface="Lato" panose="020F0502020204030203" pitchFamily="34" charset="0"/>
+                <a:hlinkClick r:id="rId11" tooltip="docker-compose pull"/>
+              </a:rPr>
+              <a:t>docker-compose pull</a:t>
+            </a:r>
+            <a:endParaRPr lang="en-US" b="0" i="0" dirty="0">
+              <a:solidFill>
+                <a:srgbClr val="404040"/>
+              </a:solidFill>
+              <a:effectLst/>
+              <a:latin typeface="Lato" panose="020F0502020204030203" pitchFamily="34" charset="0"/>
+            </a:endParaRPr>
+          </a:p>
+          <a:p>
+            <a:pPr marL="742950" lvl="1" indent="-285750" algn="l">
+              <a:buFont typeface="Arial" panose="020B0604020202020204" pitchFamily="34" charset="0"/>
+              <a:buChar char="•"/>
+            </a:pPr>
+            <a:r>
+              <a:rPr lang="en-US" b="0" i="0" u="none" strike="noStrike" dirty="0">
+                <a:solidFill>
+                  <a:srgbClr val="333333"/>
+                </a:solidFill>
+                <a:effectLst/>
+                <a:latin typeface="Lato" panose="020F0502020204030203" pitchFamily="34" charset="0"/>
+                <a:hlinkClick r:id="rId12" tooltip="docker-compose push"/>
+              </a:rPr>
+              <a:t>docker-compose push</a:t>
+            </a:r>
+            <a:endParaRPr lang="en-US" b="0" i="0" dirty="0">
+              <a:solidFill>
+                <a:srgbClr val="404040"/>
+              </a:solidFill>
+              <a:effectLst/>
+              <a:latin typeface="Lato" panose="020F0502020204030203" pitchFamily="34" charset="0"/>
+            </a:endParaRPr>
+          </a:p>
+          <a:p>
+            <a:pPr marL="742950" lvl="1" indent="-285750" algn="l">
+              <a:buFont typeface="Arial" panose="020B0604020202020204" pitchFamily="34" charset="0"/>
+              <a:buChar char="•"/>
+            </a:pPr>
+            <a:r>
+              <a:rPr lang="en-US" b="0" i="0" u="none" strike="noStrike" dirty="0">
+                <a:solidFill>
+                  <a:srgbClr val="333333"/>
+                </a:solidFill>
+                <a:effectLst/>
+                <a:latin typeface="Lato" panose="020F0502020204030203" pitchFamily="34" charset="0"/>
+                <a:hlinkClick r:id="rId13" tooltip="docker-compose version"/>
+              </a:rPr>
+              <a:t>docker-compose version</a:t>
+            </a:r>
+            <a:endParaRPr lang="en-US" b="0" i="0" dirty="0">
+              <a:solidFill>
+                <a:srgbClr val="404040"/>
+              </a:solidFill>
+              <a:effectLst/>
+              <a:latin typeface="Lato" panose="020F0502020204030203" pitchFamily="34" charset="0"/>
+            </a:endParaRPr>
+          </a:p>
+          <a:p>
+            <a:pPr marL="742950" lvl="1" indent="-285750" algn="l">
+              <a:buFont typeface="Arial" panose="020B0604020202020204" pitchFamily="34" charset="0"/>
+              <a:buChar char="•"/>
+            </a:pPr>
+            <a:r>
+              <a:rPr lang="en-US" b="0" i="0" u="none" strike="noStrike" dirty="0">
+                <a:solidFill>
+                  <a:srgbClr val="333333"/>
+                </a:solidFill>
+                <a:effectLst/>
+                <a:latin typeface="Lato" panose="020F0502020204030203" pitchFamily="34" charset="0"/>
+                <a:hlinkClick r:id="rId14" tooltip="docker-compose build"/>
+              </a:rPr>
+              <a:t>docker-compose build</a:t>
+            </a:r>
+            <a:endParaRPr lang="en-US" b="0" i="0" dirty="0">
+              <a:solidFill>
+                <a:srgbClr val="404040"/>
+              </a:solidFill>
+              <a:effectLst/>
+              <a:latin typeface="Lato" panose="020F0502020204030203" pitchFamily="34" charset="0"/>
+            </a:endParaRPr>
+          </a:p>
+          <a:p>
+            <a:pPr marL="742950" lvl="1" indent="-285750" algn="l">
+              <a:buFont typeface="Arial" panose="020B0604020202020204" pitchFamily="34" charset="0"/>
+              <a:buChar char="•"/>
+            </a:pPr>
+            <a:r>
+              <a:rPr lang="en-US" b="0" i="0" u="none" strike="noStrike" dirty="0">
+                <a:solidFill>
+                  <a:srgbClr val="333333"/>
+                </a:solidFill>
+                <a:effectLst/>
+                <a:latin typeface="Lato" panose="020F0502020204030203" pitchFamily="34" charset="0"/>
+                <a:hlinkClick r:id="rId15" tooltip="docker-compose start"/>
+              </a:rPr>
+              <a:t>docker-compose start</a:t>
+            </a:r>
+            <a:endParaRPr lang="en-US" b="0" i="0" dirty="0">
+              <a:solidFill>
+                <a:srgbClr val="404040"/>
+              </a:solidFill>
+              <a:effectLst/>
+              <a:latin typeface="Lato" panose="020F0502020204030203" pitchFamily="34" charset="0"/>
+            </a:endParaRPr>
+          </a:p>
+          <a:p>
+            <a:pPr marL="742950" lvl="1" indent="-285750" algn="l">
+              <a:buFont typeface="Arial" panose="020B0604020202020204" pitchFamily="34" charset="0"/>
+              <a:buChar char="•"/>
+            </a:pPr>
+            <a:r>
+              <a:rPr lang="en-US" b="0" i="0" u="none" strike="noStrike" dirty="0">
+                <a:solidFill>
+                  <a:srgbClr val="333333"/>
+                </a:solidFill>
+                <a:effectLst/>
+                <a:latin typeface="Lato" panose="020F0502020204030203" pitchFamily="34" charset="0"/>
+                <a:hlinkClick r:id="rId16" tooltip="docker-compose stop"/>
+              </a:rPr>
+              <a:t>docker-compose stop</a:t>
+            </a:r>
+            <a:endParaRPr lang="en-US" b="0" i="0" dirty="0">
+              <a:solidFill>
+                <a:srgbClr val="404040"/>
+              </a:solidFill>
+              <a:effectLst/>
+              <a:latin typeface="Lato" panose="020F0502020204030203" pitchFamily="34" charset="0"/>
+            </a:endParaRPr>
+          </a:p>
+          <a:p>
+            <a:pPr marL="742950" lvl="1" indent="-285750" algn="l">
+              <a:buFont typeface="Arial" panose="020B0604020202020204" pitchFamily="34" charset="0"/>
+              <a:buChar char="•"/>
+            </a:pPr>
+            <a:r>
+              <a:rPr lang="en-US" b="0" i="0" u="none" strike="noStrike" dirty="0">
+                <a:solidFill>
+                  <a:srgbClr val="333333"/>
+                </a:solidFill>
+                <a:effectLst/>
+                <a:latin typeface="Lato" panose="020F0502020204030203" pitchFamily="34" charset="0"/>
+                <a:hlinkClick r:id="rId17" tooltip="docker-compose pause"/>
+              </a:rPr>
+              <a:t>docker-compose pause</a:t>
+            </a:r>
+            <a:endParaRPr lang="en-US" b="0" i="0" dirty="0">
+              <a:solidFill>
+                <a:srgbClr val="404040"/>
+              </a:solidFill>
+              <a:effectLst/>
+              <a:latin typeface="Lato" panose="020F0502020204030203" pitchFamily="34" charset="0"/>
+            </a:endParaRPr>
+          </a:p>
+          <a:p>
+            <a:pPr marL="742950" lvl="1" indent="-285750" algn="l">
+              <a:buFont typeface="Arial" panose="020B0604020202020204" pitchFamily="34" charset="0"/>
+              <a:buChar char="•"/>
+            </a:pPr>
+            <a:r>
+              <a:rPr lang="en-US" b="0" i="0" u="none" strike="noStrike" dirty="0">
+                <a:solidFill>
+                  <a:srgbClr val="333333"/>
+                </a:solidFill>
+                <a:effectLst/>
+                <a:latin typeface="Lato" panose="020F0502020204030203" pitchFamily="34" charset="0"/>
+                <a:hlinkClick r:id="rId18" tooltip="docker-compose unpause"/>
+              </a:rPr>
+              <a:t>docker-compose </a:t>
+            </a:r>
+            <a:r>
+              <a:rPr lang="en-US" b="0" i="0" u="none" strike="noStrike" dirty="0" err="1">
+                <a:solidFill>
+                  <a:srgbClr val="333333"/>
+                </a:solidFill>
+                <a:effectLst/>
+                <a:latin typeface="Lato" panose="020F0502020204030203" pitchFamily="34" charset="0"/>
+                <a:hlinkClick r:id="rId18" tooltip="docker-compose unpause"/>
+              </a:rPr>
+              <a:t>unpause</a:t>
+            </a:r>
+            <a:endParaRPr lang="en-US" b="0" i="0" dirty="0">
+              <a:solidFill>
+                <a:srgbClr val="404040"/>
+              </a:solidFill>
+              <a:effectLst/>
+              <a:latin typeface="Lato" panose="020F0502020204030203" pitchFamily="34" charset="0"/>
+            </a:endParaRPr>
+          </a:p>
+          <a:p>
+            <a:pPr marL="742950" lvl="1" indent="-285750" algn="l">
+              <a:buFont typeface="Arial" panose="020B0604020202020204" pitchFamily="34" charset="0"/>
+              <a:buChar char="•"/>
+            </a:pPr>
+            <a:r>
+              <a:rPr lang="en-US" b="0" i="0" u="none" strike="noStrike" dirty="0">
+                <a:solidFill>
+                  <a:srgbClr val="333333"/>
+                </a:solidFill>
+                <a:effectLst/>
+                <a:latin typeface="Lato" panose="020F0502020204030203" pitchFamily="34" charset="0"/>
+                <a:hlinkClick r:id="rId19" tooltip="docker-compose exec"/>
+              </a:rPr>
+              <a:t>docker-compose exec</a:t>
+            </a:r>
+            <a:endParaRPr lang="en-US" b="0" i="0" dirty="0">
+              <a:solidFill>
+                <a:srgbClr val="404040"/>
+              </a:solidFill>
+              <a:effectLst/>
+              <a:latin typeface="Lato" panose="020F0502020204030203" pitchFamily="34" charset="0"/>
+            </a:endParaRPr>
+          </a:p>
+          <a:p>
+            <a:pPr marL="742950" lvl="1" indent="-285750" algn="l">
+              <a:buFont typeface="Arial" panose="020B0604020202020204" pitchFamily="34" charset="0"/>
+              <a:buChar char="•"/>
+            </a:pPr>
+            <a:r>
+              <a:rPr lang="en-US" b="0" i="0" u="none" strike="noStrike" dirty="0">
+                <a:solidFill>
+                  <a:srgbClr val="333333"/>
+                </a:solidFill>
+                <a:effectLst/>
+                <a:latin typeface="Lato" panose="020F0502020204030203" pitchFamily="34" charset="0"/>
+                <a:hlinkClick r:id="rId20" tooltip="docker-compose help"/>
+              </a:rPr>
+              <a:t>docker-compose help</a:t>
+            </a:r>
+            <a:endParaRPr lang="en-US" b="0" i="0" dirty="0">
+              <a:solidFill>
+                <a:srgbClr val="404040"/>
+              </a:solidFill>
+              <a:effectLst/>
+              <a:latin typeface="Lato" panose="020F0502020204030203" pitchFamily="34" charset="0"/>
+            </a:endParaRPr>
+          </a:p>
+          <a:p>
+            <a:pPr marL="742950" lvl="1" indent="-285750" algn="l">
+              <a:buFont typeface="Arial" panose="020B0604020202020204" pitchFamily="34" charset="0"/>
+              <a:buChar char="•"/>
+            </a:pPr>
+            <a:r>
+              <a:rPr lang="en-US" b="0" i="0" u="none" strike="noStrike" dirty="0">
+                <a:solidFill>
+                  <a:srgbClr val="333333"/>
+                </a:solidFill>
+                <a:effectLst/>
+                <a:latin typeface="Lato" panose="020F0502020204030203" pitchFamily="34" charset="0"/>
+                <a:hlinkClick r:id="rId21" tooltip="docker-compose kill"/>
+              </a:rPr>
+              <a:t>docker-compose kill</a:t>
+            </a:r>
+            <a:endParaRPr lang="en-US" b="0" i="0" dirty="0">
+              <a:solidFill>
+                <a:srgbClr val="404040"/>
+              </a:solidFill>
+              <a:effectLst/>
+              <a:latin typeface="Lato" panose="020F0502020204030203" pitchFamily="34" charset="0"/>
+            </a:endParaRPr>
+          </a:p>
+          <a:p>
+            <a:pPr marL="742950" lvl="1" indent="-285750" algn="l">
+              <a:buFont typeface="Arial" panose="020B0604020202020204" pitchFamily="34" charset="0"/>
+              <a:buChar char="•"/>
+            </a:pPr>
+            <a:r>
+              <a:rPr lang="en-US" b="0" i="0" u="none" strike="noStrike" dirty="0">
+                <a:solidFill>
+                  <a:srgbClr val="333333"/>
+                </a:solidFill>
+                <a:effectLst/>
+                <a:latin typeface="Lato" panose="020F0502020204030203" pitchFamily="34" charset="0"/>
+                <a:hlinkClick r:id="rId22" tooltip="docker-compose restart"/>
+              </a:rPr>
+              <a:t>docker-compose restart</a:t>
+            </a:r>
+            <a:endParaRPr lang="en-US" b="0" i="0" dirty="0">
+              <a:solidFill>
+                <a:srgbClr val="404040"/>
+              </a:solidFill>
+              <a:effectLst/>
+              <a:latin typeface="Lato" panose="020F0502020204030203" pitchFamily="34" charset="0"/>
+            </a:endParaRPr>
+          </a:p>
+          <a:p>
+            <a:pPr marL="742950" lvl="1" indent="-285750" algn="l">
+              <a:buFont typeface="Arial" panose="020B0604020202020204" pitchFamily="34" charset="0"/>
+              <a:buChar char="•"/>
+            </a:pPr>
+            <a:r>
+              <a:rPr lang="en-US" b="0" i="0" u="none" strike="noStrike" dirty="0">
+                <a:solidFill>
+                  <a:srgbClr val="333333"/>
+                </a:solidFill>
+                <a:effectLst/>
+                <a:latin typeface="Lato" panose="020F0502020204030203" pitchFamily="34" charset="0"/>
+                <a:hlinkClick r:id="rId23" tooltip="docker-compose rm"/>
+              </a:rPr>
+              <a:t>docker-compose rm</a:t>
+            </a:r>
+            <a:endParaRPr lang="en-US" b="0" i="0" dirty="0">
+              <a:solidFill>
+                <a:srgbClr val="404040"/>
+              </a:solidFill>
+              <a:effectLst/>
+              <a:latin typeface="Lato" panose="020F0502020204030203" pitchFamily="34" charset="0"/>
+            </a:endParaRPr>
+          </a:p>
+          <a:p>
+            <a:pPr marL="742950" lvl="1" indent="-285750" algn="l">
+              <a:buFont typeface="Arial" panose="020B0604020202020204" pitchFamily="34" charset="0"/>
+              <a:buChar char="•"/>
+            </a:pPr>
+            <a:r>
+              <a:rPr lang="en-US" b="0" i="0" u="none" strike="noStrike" dirty="0">
+                <a:solidFill>
+                  <a:srgbClr val="333333"/>
+                </a:solidFill>
+                <a:effectLst/>
+                <a:latin typeface="Lato" panose="020F0502020204030203" pitchFamily="34" charset="0"/>
+                <a:hlinkClick r:id="rId24" tooltip="docker-compose top"/>
+              </a:rPr>
+              <a:t>docker-compose top</a:t>
+            </a:r>
+            <a:endParaRPr lang="en-US" b="0" i="0" dirty="0">
+              <a:solidFill>
+                <a:srgbClr val="404040"/>
+              </a:solidFill>
+              <a:effectLst/>
+              <a:latin typeface="Lato" panose="020F0502020204030203" pitchFamily="34" charset="0"/>
+            </a:endParaRPr>
+          </a:p>
+          <a:p>
+            <a:pPr marL="742950" lvl="1" indent="-285750" algn="l">
+              <a:buFont typeface="Arial" panose="020B0604020202020204" pitchFamily="34" charset="0"/>
+              <a:buChar char="•"/>
+            </a:pPr>
+            <a:r>
+              <a:rPr lang="en-US" b="0" i="0" u="none" strike="noStrike" dirty="0">
+                <a:solidFill>
+                  <a:srgbClr val="333333"/>
+                </a:solidFill>
+                <a:effectLst/>
+                <a:latin typeface="Lato" panose="020F0502020204030203" pitchFamily="34" charset="0"/>
+                <a:hlinkClick r:id="rId25" tooltip="docker-compose run"/>
+              </a:rPr>
+              <a:t>docker-compose run</a:t>
+            </a:r>
+            <a:endParaRPr lang="en-US" b="0" i="0" dirty="0">
+              <a:solidFill>
+                <a:srgbClr val="404040"/>
+              </a:solidFill>
+              <a:effectLst/>
+              <a:latin typeface="Lato" panose="020F0502020204030203" pitchFamily="34" charset="0"/>
+            </a:endParaRPr>
+          </a:p>
+          <a:p>
+            <a:pPr algn="l">
+              <a:buFont typeface="Arial" panose="020B0604020202020204" pitchFamily="34" charset="0"/>
+              <a:buChar char="•"/>
+            </a:pPr>
+            <a:r>
+              <a:rPr lang="en-US" b="0" i="0" u="none" strike="noStrike" dirty="0">
+                <a:solidFill>
+                  <a:srgbClr val="333333"/>
+                </a:solidFill>
+                <a:effectLst/>
+                <a:latin typeface="Lato" panose="020F0502020204030203" pitchFamily="34" charset="0"/>
+                <a:hlinkClick r:id="rId26" tooltip="Docker-compose examples"/>
+              </a:rPr>
+              <a:t>Docker-compose examples</a:t>
+            </a:r>
+            <a:endParaRPr lang="en-US" b="0" i="0" dirty="0">
+              <a:solidFill>
+                <a:srgbClr val="404040"/>
+              </a:solidFill>
+              <a:effectLst/>
+              <a:latin typeface="Lato" panose="020F0502020204030203" pitchFamily="34" charset="0"/>
+            </a:endParaRPr>
+          </a:p>
+          <a:p>
+            <a:pPr marL="742950" lvl="1" indent="-285750" algn="l">
+              <a:buFont typeface="Arial" panose="020B0604020202020204" pitchFamily="34" charset="0"/>
+              <a:buChar char="•"/>
+            </a:pPr>
+            <a:r>
+              <a:rPr lang="en-US" b="0" i="0" u="none" strike="noStrike" dirty="0">
+                <a:solidFill>
+                  <a:srgbClr val="333333"/>
+                </a:solidFill>
+                <a:effectLst/>
+                <a:latin typeface="Lato" panose="020F0502020204030203" pitchFamily="34" charset="0"/>
+                <a:hlinkClick r:id="rId27" tooltip="docker-compose.yml example"/>
+              </a:rPr>
+              <a:t>docker-</a:t>
+            </a:r>
+            <a:r>
+              <a:rPr lang="en-US" b="0" i="0" u="none" strike="noStrike" dirty="0" err="1">
+                <a:solidFill>
+                  <a:srgbClr val="333333"/>
+                </a:solidFill>
+                <a:effectLst/>
+                <a:latin typeface="Lato" panose="020F0502020204030203" pitchFamily="34" charset="0"/>
+                <a:hlinkClick r:id="rId27" tooltip="docker-compose.yml example"/>
+              </a:rPr>
+              <a:t>compose.yml</a:t>
+            </a:r>
+            <a:r>
+              <a:rPr lang="en-US" b="0" i="0" u="none" strike="noStrike" dirty="0">
+                <a:solidFill>
+                  <a:srgbClr val="333333"/>
+                </a:solidFill>
+                <a:effectLst/>
+                <a:latin typeface="Lato" panose="020F0502020204030203" pitchFamily="34" charset="0"/>
+                <a:hlinkClick r:id="rId27" tooltip="docker-compose.yml example"/>
+              </a:rPr>
+              <a:t> example</a:t>
+            </a:r>
+            <a:endParaRPr lang="en-US" b="0" i="0" dirty="0">
+              <a:solidFill>
+                <a:srgbClr val="404040"/>
+              </a:solidFill>
+              <a:effectLst/>
+              <a:latin typeface="Lato" panose="020F0502020204030203" pitchFamily="34" charset="0"/>
+            </a:endParaRPr>
+          </a:p>
+          <a:p>
+            <a:pPr marL="742950" lvl="1" indent="-285750" algn="l">
+              <a:buFont typeface="Arial" panose="020B0604020202020204" pitchFamily="34" charset="0"/>
+              <a:buChar char="•"/>
+            </a:pPr>
+            <a:r>
+              <a:rPr lang="en-US" b="0" i="0" u="none" strike="noStrike" dirty="0">
+                <a:solidFill>
+                  <a:srgbClr val="333333"/>
+                </a:solidFill>
+                <a:effectLst/>
+                <a:latin typeface="Lato" panose="020F0502020204030203" pitchFamily="34" charset="0"/>
+                <a:hlinkClick r:id="rId28" tooltip="Building – from Dockerfile or image"/>
+              </a:rPr>
+              <a:t>Building – from </a:t>
+            </a:r>
+            <a:r>
+              <a:rPr lang="en-US" b="0" i="0" u="none" strike="noStrike" dirty="0" err="1">
+                <a:solidFill>
+                  <a:srgbClr val="333333"/>
+                </a:solidFill>
+                <a:effectLst/>
+                <a:latin typeface="Lato" panose="020F0502020204030203" pitchFamily="34" charset="0"/>
+                <a:hlinkClick r:id="rId28" tooltip="Building – from Dockerfile or image"/>
+              </a:rPr>
+              <a:t>Dockerfile</a:t>
+            </a:r>
+            <a:r>
+              <a:rPr lang="en-US" b="0" i="0" u="none" strike="noStrike" dirty="0">
+                <a:solidFill>
+                  <a:srgbClr val="333333"/>
+                </a:solidFill>
+                <a:effectLst/>
+                <a:latin typeface="Lato" panose="020F0502020204030203" pitchFamily="34" charset="0"/>
+                <a:hlinkClick r:id="rId28" tooltip="Building – from Dockerfile or image"/>
+              </a:rPr>
+              <a:t> or image</a:t>
+            </a:r>
+            <a:endParaRPr lang="en-US" b="0" i="0" dirty="0">
+              <a:solidFill>
+                <a:srgbClr val="404040"/>
+              </a:solidFill>
+              <a:effectLst/>
+              <a:latin typeface="Lato" panose="020F0502020204030203" pitchFamily="34" charset="0"/>
+            </a:endParaRPr>
+          </a:p>
+          <a:p>
+            <a:pPr marL="742950" lvl="1" indent="-285750" algn="l">
+              <a:buFont typeface="Arial" panose="020B0604020202020204" pitchFamily="34" charset="0"/>
+              <a:buChar char="•"/>
+            </a:pPr>
+            <a:r>
+              <a:rPr lang="en-US" b="0" i="0" u="none" strike="noStrike" dirty="0">
+                <a:solidFill>
+                  <a:srgbClr val="333333"/>
+                </a:solidFill>
+                <a:effectLst/>
+                <a:latin typeface="Lato" panose="020F0502020204030203" pitchFamily="34" charset="0"/>
+                <a:hlinkClick r:id="rId29" tooltip="Ports binding"/>
+              </a:rPr>
+              <a:t>Ports binding</a:t>
+            </a:r>
+            <a:endParaRPr lang="en-US" b="0" i="0" dirty="0">
+              <a:solidFill>
+                <a:srgbClr val="404040"/>
+              </a:solidFill>
+              <a:effectLst/>
+              <a:latin typeface="Lato" panose="020F0502020204030203" pitchFamily="34" charset="0"/>
+            </a:endParaRPr>
+          </a:p>
+          <a:p>
+            <a:pPr marL="742950" lvl="1" indent="-285750" algn="l">
+              <a:buFont typeface="Arial" panose="020B0604020202020204" pitchFamily="34" charset="0"/>
+              <a:buChar char="•"/>
+            </a:pPr>
+            <a:r>
+              <a:rPr lang="en-US" b="0" i="0" u="none" strike="noStrike" dirty="0">
+                <a:solidFill>
+                  <a:srgbClr val="333333"/>
+                </a:solidFill>
+                <a:effectLst/>
+                <a:latin typeface="Lato" panose="020F0502020204030203" pitchFamily="34" charset="0"/>
+                <a:hlinkClick r:id="rId30" tooltip="Command and Entrypoint"/>
+              </a:rPr>
+              <a:t>Command and </a:t>
+            </a:r>
+            <a:r>
+              <a:rPr lang="en-US" b="0" i="0" u="none" strike="noStrike" dirty="0" err="1">
+                <a:solidFill>
+                  <a:srgbClr val="333333"/>
+                </a:solidFill>
+                <a:effectLst/>
+                <a:latin typeface="Lato" panose="020F0502020204030203" pitchFamily="34" charset="0"/>
+                <a:hlinkClick r:id="rId30" tooltip="Command and Entrypoint"/>
+              </a:rPr>
+              <a:t>Entrypoint</a:t>
+            </a:r>
+            <a:endParaRPr lang="en-US" b="0" i="0" dirty="0">
+              <a:solidFill>
+                <a:srgbClr val="404040"/>
+              </a:solidFill>
+              <a:effectLst/>
+              <a:latin typeface="Lato" panose="020F0502020204030203" pitchFamily="34" charset="0"/>
+            </a:endParaRPr>
+          </a:p>
+          <a:p>
+            <a:pPr marL="742950" lvl="1" indent="-285750" algn="l">
+              <a:buFont typeface="Arial" panose="020B0604020202020204" pitchFamily="34" charset="0"/>
+              <a:buChar char="•"/>
+            </a:pPr>
+            <a:r>
+              <a:rPr lang="en-US" b="0" i="0" u="none" strike="noStrike" dirty="0">
+                <a:solidFill>
+                  <a:srgbClr val="333333"/>
+                </a:solidFill>
+                <a:effectLst/>
+                <a:latin typeface="Lato" panose="020F0502020204030203" pitchFamily="34" charset="0"/>
+                <a:hlinkClick r:id="rId31" tooltip="Volume – Storage mapping"/>
+              </a:rPr>
+              <a:t>Volume – Storage mapping</a:t>
+            </a:r>
+            <a:endParaRPr lang="en-US" b="0" i="0" dirty="0">
+              <a:solidFill>
+                <a:srgbClr val="404040"/>
+              </a:solidFill>
+              <a:effectLst/>
+              <a:latin typeface="Lato" panose="020F0502020204030203" pitchFamily="34" charset="0"/>
+            </a:endParaRPr>
+          </a:p>
+          <a:p>
+            <a:pPr marL="742950" lvl="1" indent="-285750" algn="l">
+              <a:buFont typeface="Arial" panose="020B0604020202020204" pitchFamily="34" charset="0"/>
+              <a:buChar char="•"/>
+            </a:pPr>
+            <a:r>
+              <a:rPr lang="en-US" b="0" i="0" u="none" strike="noStrike" dirty="0">
+                <a:solidFill>
+                  <a:srgbClr val="333333"/>
+                </a:solidFill>
+                <a:effectLst/>
+                <a:latin typeface="Lato" panose="020F0502020204030203" pitchFamily="34" charset="0"/>
+                <a:hlinkClick r:id="rId32" tooltip="Environment variables"/>
+              </a:rPr>
+              <a:t>Environment variables</a:t>
+            </a:r>
+            <a:endParaRPr lang="en-US" b="0" i="0" dirty="0">
+              <a:solidFill>
+                <a:srgbClr val="404040"/>
+              </a:solidFill>
+              <a:effectLst/>
+              <a:latin typeface="Lato" panose="020F0502020204030203" pitchFamily="34" charset="0"/>
+            </a:endParaRPr>
+          </a:p>
+          <a:p>
+            <a:pPr marL="742950" lvl="1" indent="-285750" algn="l">
+              <a:buFont typeface="Arial" panose="020B0604020202020204" pitchFamily="34" charset="0"/>
+              <a:buChar char="•"/>
+            </a:pPr>
+            <a:r>
+              <a:rPr lang="en-US" b="0" i="0" u="none" strike="noStrike" dirty="0">
+                <a:solidFill>
+                  <a:srgbClr val="333333"/>
+                </a:solidFill>
+                <a:effectLst/>
+                <a:latin typeface="Lato" panose="020F0502020204030203" pitchFamily="34" charset="0"/>
+                <a:hlinkClick r:id="rId33" tooltip="Dependencies – dependent services"/>
+              </a:rPr>
+              <a:t>Dependencies – dependent services</a:t>
+            </a:r>
+            <a:endParaRPr lang="en-US" b="0" i="0" dirty="0">
+              <a:solidFill>
+                <a:srgbClr val="404040"/>
+              </a:solidFill>
+              <a:effectLst/>
+              <a:latin typeface="Lato" panose="020F0502020204030203" pitchFamily="34" charset="0"/>
+            </a:endParaRPr>
+          </a:p>
+          <a:p>
+            <a:pPr marL="742950" lvl="1" indent="-285750" algn="l">
+              <a:buFont typeface="Arial" panose="020B0604020202020204" pitchFamily="34" charset="0"/>
+              <a:buChar char="•"/>
+            </a:pPr>
+            <a:r>
+              <a:rPr lang="en-US" b="0" i="0" u="none" strike="noStrike" dirty="0">
+                <a:solidFill>
+                  <a:srgbClr val="333333"/>
+                </a:solidFill>
+                <a:effectLst/>
+                <a:latin typeface="Lato" panose="020F0502020204030203" pitchFamily="34" charset="0"/>
+                <a:hlinkClick r:id="rId34" tooltip="Labels"/>
+              </a:rPr>
+              <a:t>Labels</a:t>
+            </a:r>
+            <a:endParaRPr lang="en-US" b="0" i="0" dirty="0">
+              <a:solidFill>
+                <a:srgbClr val="404040"/>
+              </a:solidFill>
+              <a:effectLst/>
+              <a:latin typeface="Lato" panose="020F0502020204030203" pitchFamily="34" charset="0"/>
+            </a:endParaRPr>
+          </a:p>
+          <a:p>
+            <a:pPr marL="742950" lvl="1" indent="-285750" algn="l">
+              <a:buFont typeface="Arial" panose="020B0604020202020204" pitchFamily="34" charset="0"/>
+              <a:buChar char="•"/>
+            </a:pPr>
+            <a:r>
+              <a:rPr lang="en-US" b="0" i="0" u="none" strike="noStrike" dirty="0">
+                <a:solidFill>
+                  <a:srgbClr val="333333"/>
+                </a:solidFill>
+                <a:effectLst/>
+                <a:latin typeface="Lato" panose="020F0502020204030203" pitchFamily="34" charset="0"/>
+                <a:hlinkClick r:id="rId35" tooltip="DNS Servers"/>
+              </a:rPr>
+              <a:t>DNS Servers</a:t>
+            </a:r>
+            <a:endParaRPr lang="en-US" b="0" i="0" dirty="0">
+              <a:solidFill>
+                <a:srgbClr val="404040"/>
+              </a:solidFill>
+              <a:effectLst/>
+              <a:latin typeface="Lato" panose="020F0502020204030203" pitchFamily="34" charset="0"/>
+            </a:endParaRPr>
+          </a:p>
+          <a:p>
+            <a:endParaRPr lang="en-US" dirty="0"/>
+          </a:p>
+        </p:txBody>
+      </p:sp>
+      <p:sp>
+        <p:nvSpPr>
+          <p:cNvPr id="2" name="TextBox 1">
+            <a:extLst>
+              <a:ext uri="{FF2B5EF4-FFF2-40B4-BE49-F238E27FC236}">
+                <a16:creationId xmlns:a16="http://schemas.microsoft.com/office/drawing/2014/main" id="{5103701E-5D0E-A5E9-EBFB-BC6D9C504D52}"/>
+              </a:ext>
+            </a:extLst>
+          </p:cNvPr>
+          <p:cNvSpPr txBox="1"/>
+          <p:nvPr/>
+        </p:nvSpPr>
+        <p:spPr>
+          <a:xfrm>
+            <a:off x="0" y="0"/>
+            <a:ext cx="12192000" cy="523220"/>
+          </a:xfrm>
+          <a:prstGeom prst="rect">
+            <a:avLst/>
+          </a:prstGeom>
+          <a:solidFill>
+            <a:srgbClr val="92D050"/>
+          </a:solidFill>
+        </p:spPr>
+        <p:txBody>
+          <a:bodyPr wrap="square" rtlCol="0">
+            <a:spAutoFit/>
+          </a:bodyPr>
+          <a:lstStyle/>
+          <a:p>
+            <a:r>
+              <a:rPr lang="en-US" sz="2800" dirty="0">
+                <a:solidFill>
+                  <a:srgbClr val="002060"/>
+                </a:solidFill>
+              </a:rPr>
+              <a:t>Hands-On: Let’s build a simple docker image and upload it!</a:t>
+            </a:r>
+          </a:p>
+        </p:txBody>
+      </p:sp>
+      <p:sp>
+        <p:nvSpPr>
+          <p:cNvPr id="7" name="TextBox 6">
+            <a:extLst>
+              <a:ext uri="{FF2B5EF4-FFF2-40B4-BE49-F238E27FC236}">
+                <a16:creationId xmlns:a16="http://schemas.microsoft.com/office/drawing/2014/main" id="{BF93755F-93A7-DEA5-0DA7-82124318DBF1}"/>
+              </a:ext>
+            </a:extLst>
+          </p:cNvPr>
+          <p:cNvSpPr txBox="1"/>
+          <p:nvPr/>
+        </p:nvSpPr>
+        <p:spPr>
+          <a:xfrm>
+            <a:off x="149433" y="596559"/>
+            <a:ext cx="10643634" cy="369332"/>
+          </a:xfrm>
+          <a:prstGeom prst="rect">
+            <a:avLst/>
+          </a:prstGeom>
+          <a:noFill/>
+        </p:spPr>
+        <p:txBody>
+          <a:bodyPr wrap="square">
+            <a:spAutoFit/>
+          </a:bodyPr>
+          <a:lstStyle/>
+          <a:p>
+            <a:r>
+              <a:rPr lang="sv-SE" dirty="0"/>
+              <a:t>Copy/Paste command for your exercise! </a:t>
+            </a:r>
+            <a:r>
+              <a:rPr lang="en-US" dirty="0"/>
+              <a:t> </a:t>
+            </a:r>
+            <a:r>
+              <a:rPr lang="zh-CN" altLang="en-US" dirty="0"/>
+              <a:t>用到的命令，方便拷贝粘贴</a:t>
+            </a:r>
+            <a:endParaRPr lang="en-US" dirty="0"/>
+          </a:p>
+        </p:txBody>
+      </p:sp>
+      <p:sp>
+        <p:nvSpPr>
+          <p:cNvPr id="6" name="TextBox 5">
+            <a:extLst>
+              <a:ext uri="{FF2B5EF4-FFF2-40B4-BE49-F238E27FC236}">
+                <a16:creationId xmlns:a16="http://schemas.microsoft.com/office/drawing/2014/main" id="{800DFB05-BECC-9805-0A33-2E9FD7123774}"/>
+              </a:ext>
+            </a:extLst>
+          </p:cNvPr>
+          <p:cNvSpPr txBox="1"/>
+          <p:nvPr/>
+        </p:nvSpPr>
+        <p:spPr>
+          <a:xfrm>
+            <a:off x="6096000" y="4573071"/>
+            <a:ext cx="6157912" cy="369332"/>
+          </a:xfrm>
+          <a:prstGeom prst="rect">
+            <a:avLst/>
+          </a:prstGeom>
+          <a:noFill/>
+        </p:spPr>
+        <p:txBody>
+          <a:bodyPr wrap="square">
+            <a:spAutoFit/>
+          </a:bodyPr>
+          <a:lstStyle/>
+          <a:p>
+            <a:r>
+              <a:rPr lang="en-US" dirty="0"/>
+              <a:t>https://jstobigdata.com/docker-compose-cheatsheet/</a:t>
+            </a:r>
+          </a:p>
+        </p:txBody>
+      </p:sp>
     </p:spTree>
     <p:extLst>
       <p:ext uri="{BB962C8B-B14F-4D97-AF65-F5344CB8AC3E}">
-        <p14:creationId xmlns:p14="http://schemas.microsoft.com/office/powerpoint/2010/main" val="487549265"/>
+        <p14:creationId xmlns:p14="http://schemas.microsoft.com/office/powerpoint/2010/main" val="1508793230"/>
       </p:ext>
     </p:extLst>
   </p:cSld>
@@ -7761,57 +9393,6 @@
       </p:grpSpPr>
       <p:sp>
         <p:nvSpPr>
-          <p:cNvPr id="6" name="TextBox 5">
-            <a:extLst>
-              <a:ext uri="{FF2B5EF4-FFF2-40B4-BE49-F238E27FC236}">
-                <a16:creationId xmlns:a16="http://schemas.microsoft.com/office/drawing/2014/main" id="{749465AA-4BC0-0056-8660-8F706F73D192}"/>
-              </a:ext>
-            </a:extLst>
-          </p:cNvPr>
-          <p:cNvSpPr txBox="1"/>
-          <p:nvPr/>
-        </p:nvSpPr>
-        <p:spPr>
-          <a:xfrm>
-            <a:off x="0" y="0"/>
-            <a:ext cx="1266357" cy="954107"/>
-          </a:xfrm>
-          <a:prstGeom prst="rect">
-            <a:avLst/>
-          </a:prstGeom>
-          <a:solidFill>
-            <a:srgbClr val="FFC000"/>
-          </a:solidFill>
-        </p:spPr>
-        <p:txBody>
-          <a:bodyPr wrap="square" rtlCol="0">
-            <a:spAutoFit/>
-          </a:bodyPr>
-          <a:lstStyle/>
-          <a:p>
-            <a:r>
-              <a:rPr lang="en-US" sz="2800" dirty="0">
-                <a:solidFill>
-                  <a:srgbClr val="002060"/>
-                </a:solidFill>
-              </a:rPr>
-              <a:t>Docker</a:t>
-            </a:r>
-          </a:p>
-          <a:p>
-            <a:r>
-              <a:rPr lang="en-US" sz="2800" dirty="0">
-                <a:solidFill>
-                  <a:srgbClr val="002060"/>
-                </a:solidFill>
-              </a:rPr>
-              <a:t>Help</a:t>
-            </a:r>
-          </a:p>
-        </p:txBody>
-      </p:sp>
-      <p:sp>
-        <p:nvSpPr>
           <p:cNvPr id="3" name="AutoShape 2" descr="🛠️">
             <a:extLst>
               <a:ext uri="{FF2B5EF4-FFF2-40B4-BE49-F238E27FC236}">
@@ -7855,40 +9436,375 @@
           </a:p>
         </p:txBody>
       </p:sp>
-      <p:pic>
-        <p:nvPicPr>
-          <p:cNvPr id="5" name="Picture 4">
-            <a:extLst>
-              <a:ext uri="{FF2B5EF4-FFF2-40B4-BE49-F238E27FC236}">
-                <a16:creationId xmlns:a16="http://schemas.microsoft.com/office/drawing/2014/main" id="{05A3D348-89E4-14D7-AC4B-824474651D6B}"/>
-              </a:ext>
-            </a:extLst>
-          </p:cNvPr>
-          <p:cNvPicPr>
-            <a:picLocks noChangeAspect="1"/>
-          </p:cNvPicPr>
+      <p:sp>
+        <p:nvSpPr>
+          <p:cNvPr id="4" name="TextBox 3">
+            <a:extLst>
+              <a:ext uri="{FF2B5EF4-FFF2-40B4-BE49-F238E27FC236}">
+                <a16:creationId xmlns:a16="http://schemas.microsoft.com/office/drawing/2014/main" id="{C7EE7522-5371-5A97-433A-295063740700}"/>
+              </a:ext>
+            </a:extLst>
+          </p:cNvPr>
+          <p:cNvSpPr txBox="1"/>
           <p:nvPr/>
-        </p:nvPicPr>
-        <p:blipFill>
-          <a:blip r:embed="rId2"/>
-          <a:stretch>
-            <a:fillRect/>
-          </a:stretch>
-        </p:blipFill>
+        </p:nvSpPr>
         <p:spPr>
           <a:xfrm>
-            <a:off x="1309019" y="261495"/>
-            <a:ext cx="9573961" cy="6335009"/>
+            <a:off x="437708" y="1039230"/>
+            <a:ext cx="10439014" cy="3970318"/>
           </a:xfrm>
           <a:prstGeom prst="rect">
             <a:avLst/>
           </a:prstGeom>
-        </p:spPr>
-      </p:pic>
+          <a:noFill/>
+        </p:spPr>
+        <p:txBody>
+          <a:bodyPr wrap="square">
+            <a:spAutoFit/>
+          </a:bodyPr>
+          <a:lstStyle/>
+          <a:p>
+            <a:r>
+              <a:rPr lang="en-US" dirty="0"/>
+              <a:t> docker secret</a:t>
+            </a:r>
+          </a:p>
+          <a:p>
+            <a:endParaRPr lang="en-US" dirty="0"/>
+          </a:p>
+          <a:p>
+            <a:pPr marL="342900" indent="-342900">
+              <a:buAutoNum type="arabicPeriod"/>
+            </a:pPr>
+            <a:r>
+              <a:rPr lang="en-US" dirty="0"/>
+              <a:t>only works swarm. single container doesn’t work </a:t>
+            </a:r>
+          </a:p>
+          <a:p>
+            <a:r>
+              <a:rPr lang="en-US" b="0" i="0" dirty="0">
+                <a:solidFill>
+                  <a:srgbClr val="000000"/>
+                </a:solidFill>
+                <a:effectLst/>
+                <a:latin typeface="Source Code Pro" panose="020B0509030403020204" pitchFamily="49" charset="0"/>
+              </a:rPr>
+              <a:t>	docker swarm </a:t>
+            </a:r>
+            <a:r>
+              <a:rPr lang="en-US" b="0" i="0" dirty="0" err="1">
+                <a:solidFill>
+                  <a:srgbClr val="000000"/>
+                </a:solidFill>
+                <a:effectLst/>
+                <a:latin typeface="Source Code Pro" panose="020B0509030403020204" pitchFamily="49" charset="0"/>
+              </a:rPr>
+              <a:t>init</a:t>
+            </a:r>
+            <a:endParaRPr lang="en-US" dirty="0"/>
+          </a:p>
+          <a:p>
+            <a:r>
+              <a:rPr lang="en-US" dirty="0"/>
+              <a:t>	docker secret create s-</a:t>
+            </a:r>
+            <a:r>
+              <a:rPr lang="en-US" dirty="0" err="1"/>
+              <a:t>weixiuai</a:t>
+            </a:r>
+            <a:r>
+              <a:rPr lang="en-US" dirty="0"/>
+              <a:t> – </a:t>
+            </a:r>
+          </a:p>
+          <a:p>
+            <a:r>
+              <a:rPr lang="en-US" dirty="0"/>
+              <a:t>                     after enter the </a:t>
+            </a:r>
+            <a:r>
+              <a:rPr lang="en-US" dirty="0" err="1"/>
+              <a:t>scret</a:t>
+            </a:r>
+            <a:r>
+              <a:rPr lang="en-US" dirty="0"/>
+              <a:t>,  </a:t>
+            </a:r>
+            <a:r>
+              <a:rPr lang="en-US" dirty="0" err="1"/>
+              <a:t>ctrl+D</a:t>
+            </a:r>
+            <a:endParaRPr lang="en-US" dirty="0"/>
+          </a:p>
+          <a:p>
+            <a:r>
+              <a:rPr lang="en-US" dirty="0"/>
+              <a:t>      or </a:t>
+            </a:r>
+            <a:r>
+              <a:rPr lang="en-US" b="0" i="0" dirty="0">
+                <a:solidFill>
+                  <a:srgbClr val="000000"/>
+                </a:solidFill>
+                <a:effectLst/>
+                <a:latin typeface="Source Code Pro" panose="020B0509030403020204" pitchFamily="49" charset="0"/>
+              </a:rPr>
+              <a:t>docker secret </a:t>
+            </a:r>
+            <a:r>
+              <a:rPr lang="en-US" b="0" i="0" dirty="0">
+                <a:solidFill>
+                  <a:srgbClr val="397300"/>
+                </a:solidFill>
+                <a:effectLst/>
+                <a:latin typeface="Source Code Pro" panose="020B0509030403020204" pitchFamily="49" charset="0"/>
+              </a:rPr>
+              <a:t>create</a:t>
+            </a:r>
+            <a:r>
+              <a:rPr lang="en-US" b="0" i="0" dirty="0">
+                <a:solidFill>
+                  <a:srgbClr val="000000"/>
+                </a:solidFill>
+                <a:effectLst/>
+                <a:latin typeface="Source Code Pro" panose="020B0509030403020204" pitchFamily="49" charset="0"/>
+              </a:rPr>
+              <a:t> </a:t>
+            </a:r>
+            <a:r>
+              <a:rPr lang="en-US" b="0" i="0" dirty="0" err="1">
+                <a:solidFill>
+                  <a:srgbClr val="000000"/>
+                </a:solidFill>
+                <a:effectLst/>
+                <a:latin typeface="Source Code Pro" panose="020B0509030403020204" pitchFamily="49" charset="0"/>
+              </a:rPr>
+              <a:t>my_secret</a:t>
+            </a:r>
+            <a:r>
+              <a:rPr lang="en-US" b="0" i="0" dirty="0">
+                <a:solidFill>
+                  <a:srgbClr val="000000"/>
+                </a:solidFill>
+                <a:effectLst/>
+                <a:latin typeface="Source Code Pro" panose="020B0509030403020204" pitchFamily="49" charset="0"/>
+              </a:rPr>
+              <a:t> /</a:t>
+            </a:r>
+            <a:r>
+              <a:rPr lang="en-US" b="0" i="0" dirty="0">
+                <a:solidFill>
+                  <a:srgbClr val="397300"/>
+                </a:solidFill>
+                <a:effectLst/>
+                <a:latin typeface="Source Code Pro" panose="020B0509030403020204" pitchFamily="49" charset="0"/>
+              </a:rPr>
+              <a:t>path</a:t>
+            </a:r>
+            <a:r>
+              <a:rPr lang="en-US" b="0" i="0" dirty="0">
+                <a:solidFill>
+                  <a:srgbClr val="000000"/>
+                </a:solidFill>
+                <a:effectLst/>
+                <a:latin typeface="Source Code Pro" panose="020B0509030403020204" pitchFamily="49" charset="0"/>
+              </a:rPr>
+              <a:t>/to/secret/file</a:t>
+            </a:r>
+          </a:p>
+          <a:p>
+            <a:endParaRPr lang="en-US" dirty="0"/>
+          </a:p>
+          <a:p>
+            <a:endParaRPr lang="en-US" b="0" i="0" dirty="0">
+              <a:solidFill>
+                <a:srgbClr val="404040"/>
+              </a:solidFill>
+              <a:effectLst/>
+              <a:latin typeface="Lato" panose="020F0502020204030203" pitchFamily="34" charset="0"/>
+            </a:endParaRPr>
+          </a:p>
+          <a:p>
+            <a:r>
+              <a:rPr lang="en-US" dirty="0">
+                <a:solidFill>
+                  <a:srgbClr val="404040"/>
+                </a:solidFill>
+                <a:latin typeface="Lato" panose="020F0502020204030203" pitchFamily="34" charset="0"/>
+                <a:hlinkClick r:id="rId2"/>
+              </a:rPr>
+              <a:t>https://docs.docker.com/engine/reference/commandline/secret_create/</a:t>
+            </a:r>
+            <a:endParaRPr lang="en-US" dirty="0">
+              <a:solidFill>
+                <a:srgbClr val="404040"/>
+              </a:solidFill>
+              <a:latin typeface="Lato" panose="020F0502020204030203" pitchFamily="34" charset="0"/>
+            </a:endParaRPr>
+          </a:p>
+          <a:p>
+            <a:endParaRPr lang="en-US" dirty="0">
+              <a:solidFill>
+                <a:srgbClr val="404040"/>
+              </a:solidFill>
+              <a:latin typeface="Lato" panose="020F0502020204030203" pitchFamily="34" charset="0"/>
+            </a:endParaRPr>
+          </a:p>
+          <a:p>
+            <a:endParaRPr lang="en-US" dirty="0">
+              <a:solidFill>
+                <a:srgbClr val="404040"/>
+              </a:solidFill>
+              <a:latin typeface="Lato" panose="020F0502020204030203" pitchFamily="34" charset="0"/>
+            </a:endParaRPr>
+          </a:p>
+          <a:p>
+            <a:endParaRPr lang="en-US" dirty="0">
+              <a:solidFill>
+                <a:srgbClr val="404040"/>
+              </a:solidFill>
+              <a:latin typeface="Lato" panose="020F0502020204030203" pitchFamily="34" charset="0"/>
+            </a:endParaRPr>
+          </a:p>
+          <a:p>
+            <a:r>
+              <a:rPr lang="en-US">
+                <a:solidFill>
+                  <a:srgbClr val="404040"/>
+                </a:solidFill>
+                <a:latin typeface="Lato" panose="020F0502020204030203" pitchFamily="34" charset="0"/>
+              </a:rPr>
+              <a:t>docker service</a:t>
+            </a:r>
+            <a:endParaRPr lang="en-US" dirty="0"/>
+          </a:p>
+        </p:txBody>
+      </p:sp>
+      <p:sp>
+        <p:nvSpPr>
+          <p:cNvPr id="2" name="TextBox 1">
+            <a:extLst>
+              <a:ext uri="{FF2B5EF4-FFF2-40B4-BE49-F238E27FC236}">
+                <a16:creationId xmlns:a16="http://schemas.microsoft.com/office/drawing/2014/main" id="{5103701E-5D0E-A5E9-EBFB-BC6D9C504D52}"/>
+              </a:ext>
+            </a:extLst>
+          </p:cNvPr>
+          <p:cNvSpPr txBox="1"/>
+          <p:nvPr/>
+        </p:nvSpPr>
+        <p:spPr>
+          <a:xfrm>
+            <a:off x="0" y="0"/>
+            <a:ext cx="12192000" cy="523220"/>
+          </a:xfrm>
+          <a:prstGeom prst="rect">
+            <a:avLst/>
+          </a:prstGeom>
+          <a:solidFill>
+            <a:srgbClr val="92D050"/>
+          </a:solidFill>
+        </p:spPr>
+        <p:txBody>
+          <a:bodyPr wrap="square" rtlCol="0">
+            <a:spAutoFit/>
+          </a:bodyPr>
+          <a:lstStyle/>
+          <a:p>
+            <a:r>
+              <a:rPr lang="en-US" sz="2800" dirty="0">
+                <a:solidFill>
+                  <a:srgbClr val="002060"/>
+                </a:solidFill>
+              </a:rPr>
+              <a:t>Hands-On: Let’s build a simple docker image and upload it!</a:t>
+            </a:r>
+          </a:p>
+        </p:txBody>
+      </p:sp>
+      <p:sp>
+        <p:nvSpPr>
+          <p:cNvPr id="7" name="TextBox 6">
+            <a:extLst>
+              <a:ext uri="{FF2B5EF4-FFF2-40B4-BE49-F238E27FC236}">
+                <a16:creationId xmlns:a16="http://schemas.microsoft.com/office/drawing/2014/main" id="{BF93755F-93A7-DEA5-0DA7-82124318DBF1}"/>
+              </a:ext>
+            </a:extLst>
+          </p:cNvPr>
+          <p:cNvSpPr txBox="1"/>
+          <p:nvPr/>
+        </p:nvSpPr>
+        <p:spPr>
+          <a:xfrm>
+            <a:off x="149433" y="596559"/>
+            <a:ext cx="10643634" cy="369332"/>
+          </a:xfrm>
+          <a:prstGeom prst="rect">
+            <a:avLst/>
+          </a:prstGeom>
+          <a:noFill/>
+        </p:spPr>
+        <p:txBody>
+          <a:bodyPr wrap="square">
+            <a:spAutoFit/>
+          </a:bodyPr>
+          <a:lstStyle/>
+          <a:p>
+            <a:r>
+              <a:rPr lang="sv-SE" dirty="0"/>
+              <a:t>Copy/Paste command for your exercise! </a:t>
+            </a:r>
+            <a:r>
+              <a:rPr lang="en-US" dirty="0"/>
+              <a:t> </a:t>
+            </a:r>
+            <a:r>
+              <a:rPr lang="zh-CN" altLang="en-US" dirty="0"/>
+              <a:t>用到的命令，方便拷贝粘贴</a:t>
+            </a:r>
+            <a:endParaRPr lang="en-US" dirty="0"/>
+          </a:p>
+        </p:txBody>
+      </p:sp>
+      <p:sp>
+        <p:nvSpPr>
+          <p:cNvPr id="6" name="TextBox 5">
+            <a:extLst>
+              <a:ext uri="{FF2B5EF4-FFF2-40B4-BE49-F238E27FC236}">
+                <a16:creationId xmlns:a16="http://schemas.microsoft.com/office/drawing/2014/main" id="{800DFB05-BECC-9805-0A33-2E9FD7123774}"/>
+              </a:ext>
+            </a:extLst>
+          </p:cNvPr>
+          <p:cNvSpPr txBox="1"/>
+          <p:nvPr/>
+        </p:nvSpPr>
+        <p:spPr>
+          <a:xfrm>
+            <a:off x="6096000" y="4573071"/>
+            <a:ext cx="6157912" cy="369332"/>
+          </a:xfrm>
+          <a:prstGeom prst="rect">
+            <a:avLst/>
+          </a:prstGeom>
+          <a:noFill/>
+        </p:spPr>
+        <p:txBody>
+          <a:bodyPr wrap="square">
+            <a:spAutoFit/>
+          </a:bodyPr>
+          <a:lstStyle/>
+          <a:p>
+            <a:r>
+              <a:rPr lang="en-US" dirty="0"/>
+              <a:t>https://jstobigdata.com/docker-compose-cheatsheet/</a:t>
+            </a:r>
+          </a:p>
+        </p:txBody>
+      </p:sp>
     </p:spTree>
     <p:extLst>
       <p:ext uri="{BB962C8B-B14F-4D97-AF65-F5344CB8AC3E}">
-        <p14:creationId xmlns:p14="http://schemas.microsoft.com/office/powerpoint/2010/main" val="3871125530"/>
+        <p14:creationId xmlns:p14="http://schemas.microsoft.com/office/powerpoint/2010/main" val="2023860475"/>
       </p:ext>
     </p:extLst>
   </p:cSld>
@@ -7930,7 +9846,7 @@
         <p:spPr>
           <a:xfrm>
             <a:off x="0" y="0"/>
-            <a:ext cx="1266357" cy="954107"/>
+            <a:ext cx="12192000" cy="584775"/>
           </a:xfrm>
           <a:prstGeom prst="rect">
             <a:avLst/>
@@ -7946,23 +9862,26 @@
           <a:lstStyle/>
           <a:p>
             <a:r>
-              <a:rPr lang="en-US" sz="2800" dirty="0">
+              <a:rPr lang="en-US" sz="3200" dirty="0">
                 <a:solidFill>
                   <a:srgbClr val="002060"/>
                 </a:solidFill>
               </a:rPr>
-              <a:t>Docker</a:t>
-            </a:r>
-          </a:p>
-          <a:p>
-            <a:r>
-              <a:rPr lang="en-US" sz="2800" dirty="0">
+              <a:t>Docker </a:t>
+            </a:r>
+            <a:r>
+              <a:rPr lang="en-US" sz="3200" dirty="0" err="1">
                 <a:solidFill>
                   <a:srgbClr val="002060"/>
                 </a:solidFill>
               </a:rPr>
-              <a:t>Help</a:t>
-            </a:r>
+              <a:t>cheatsheet</a:t>
+            </a:r>
+            <a:endParaRPr lang="en-US" dirty="0">
+              <a:solidFill>
+                <a:srgbClr val="002060"/>
+              </a:solidFill>
+            </a:endParaRPr>
           </a:p>
         </p:txBody>
       </p:sp>
@@ -8011,40 +9930,64 @@
           </a:p>
         </p:txBody>
       </p:sp>
-      <p:pic>
-        <p:nvPicPr>
-          <p:cNvPr id="5" name="Picture 4">
-            <a:extLst>
-              <a:ext uri="{FF2B5EF4-FFF2-40B4-BE49-F238E27FC236}">
-                <a16:creationId xmlns:a16="http://schemas.microsoft.com/office/drawing/2014/main" id="{22495ED6-30F8-792F-A892-DA0D66A8ECAD}"/>
-              </a:ext>
-            </a:extLst>
-          </p:cNvPr>
-          <p:cNvPicPr>
-            <a:picLocks noChangeAspect="1"/>
-          </p:cNvPicPr>
+      <p:sp>
+        <p:nvSpPr>
+          <p:cNvPr id="5" name="TextBox 4">
+            <a:extLst>
+              <a:ext uri="{FF2B5EF4-FFF2-40B4-BE49-F238E27FC236}">
+                <a16:creationId xmlns:a16="http://schemas.microsoft.com/office/drawing/2014/main" id="{06F3491A-49D7-3C35-9B37-6522D9264D89}"/>
+              </a:ext>
+            </a:extLst>
+          </p:cNvPr>
+          <p:cNvSpPr txBox="1"/>
           <p:nvPr/>
-        </p:nvPicPr>
-        <p:blipFill>
-          <a:blip r:embed="rId2"/>
-          <a:stretch>
-            <a:fillRect/>
-          </a:stretch>
-        </p:blipFill>
+        </p:nvSpPr>
         <p:spPr>
           <a:xfrm>
-            <a:off x="1337598" y="104311"/>
-            <a:ext cx="9516803" cy="6649378"/>
+            <a:off x="586409" y="2008348"/>
+            <a:ext cx="10634870" cy="1077218"/>
           </a:xfrm>
           <a:prstGeom prst="rect">
             <a:avLst/>
           </a:prstGeom>
-        </p:spPr>
-      </p:pic>
+          <a:noFill/>
+        </p:spPr>
+        <p:txBody>
+          <a:bodyPr wrap="square">
+            <a:spAutoFit/>
+          </a:bodyPr>
+          <a:lstStyle/>
+          <a:p>
+            <a:r>
+              <a:rPr lang="en-US" sz="3600" dirty="0">
+                <a:hlinkClick r:id="rId2"/>
+              </a:rPr>
+              <a:t>https://dockerlabs.collabnix.com/docker/cheatsheet/</a:t>
+            </a:r>
+            <a:endParaRPr lang="en-US" sz="3600" dirty="0"/>
+          </a:p>
+          <a:p>
+            <a:endParaRPr lang="en-US" sz="1400" dirty="0"/>
+          </a:p>
+          <a:p>
+            <a:r>
+              <a:rPr lang="en-US" sz="1400" b="0" i="0" dirty="0">
+                <a:solidFill>
+                  <a:srgbClr val="555555"/>
+                </a:solidFill>
+                <a:effectLst/>
+                <a:latin typeface="Courier New" panose="02070309020205020404" pitchFamily="49" charset="0"/>
+              </a:rPr>
+              <a:t> </a:t>
+            </a:r>
+            <a:endParaRPr lang="en-US" sz="1400" dirty="0"/>
+          </a:p>
+        </p:txBody>
+      </p:sp>
     </p:spTree>
     <p:extLst>
       <p:ext uri="{BB962C8B-B14F-4D97-AF65-F5344CB8AC3E}">
-        <p14:creationId xmlns:p14="http://schemas.microsoft.com/office/powerpoint/2010/main" val="611230357"/>
+        <p14:creationId xmlns:p14="http://schemas.microsoft.com/office/powerpoint/2010/main" val="2144953130"/>
       </p:ext>
     </p:extLst>
   </p:cSld>
@@ -8169,10 +10112,10 @@
       </p:sp>
       <p:pic>
         <p:nvPicPr>
-          <p:cNvPr id="5" name="Picture 4">
-            <a:extLst>
-              <a:ext uri="{FF2B5EF4-FFF2-40B4-BE49-F238E27FC236}">
-                <a16:creationId xmlns:a16="http://schemas.microsoft.com/office/drawing/2014/main" id="{E7439735-4404-3539-D255-7D041548CEA0}"/>
+          <p:cNvPr id="4" name="Picture 3">
+            <a:extLst>
+              <a:ext uri="{FF2B5EF4-FFF2-40B4-BE49-F238E27FC236}">
+                <a16:creationId xmlns:a16="http://schemas.microsoft.com/office/drawing/2014/main" id="{C2C6A7A8-30B5-436F-3105-341B4725F09D}"/>
               </a:ext>
             </a:extLst>
           </p:cNvPr>
@@ -8189,8 +10132,8 @@
         </p:blipFill>
         <p:spPr>
           <a:xfrm>
-            <a:off x="1218519" y="218627"/>
-            <a:ext cx="9754961" cy="6420746"/>
+            <a:off x="1564530" y="0"/>
+            <a:ext cx="9659288" cy="6858000"/>
           </a:xfrm>
           <a:prstGeom prst="rect">
             <a:avLst/>
@@ -8200,7 +10143,7 @@
     </p:spTree>
     <p:extLst>
       <p:ext uri="{BB962C8B-B14F-4D97-AF65-F5344CB8AC3E}">
-        <p14:creationId xmlns:p14="http://schemas.microsoft.com/office/powerpoint/2010/main" val="3542707332"/>
+        <p14:creationId xmlns:p14="http://schemas.microsoft.com/office/powerpoint/2010/main" val="487549265"/>
       </p:ext>
     </p:extLst>
   </p:cSld>
@@ -8328,7 +10271,7 @@
           <p:cNvPr id="5" name="Picture 4">
             <a:extLst>
               <a:ext uri="{FF2B5EF4-FFF2-40B4-BE49-F238E27FC236}">
-                <a16:creationId xmlns:a16="http://schemas.microsoft.com/office/drawing/2014/main" id="{3D061D75-FDC8-9BA6-C0D6-2D835A3E279C}"/>
+                <a16:creationId xmlns:a16="http://schemas.microsoft.com/office/drawing/2014/main" id="{05A3D348-89E4-14D7-AC4B-824474651D6B}"/>
               </a:ext>
             </a:extLst>
           </p:cNvPr>
@@ -8345,8 +10288,8 @@
         </p:blipFill>
         <p:spPr>
           <a:xfrm>
-            <a:off x="1915438" y="0"/>
-            <a:ext cx="8361124" cy="6858000"/>
+            <a:off x="1309019" y="261495"/>
+            <a:ext cx="9573961" cy="6335009"/>
           </a:xfrm>
           <a:prstGeom prst="rect">
             <a:avLst/>
@@ -8356,7 +10299,7 @@
     </p:spTree>
     <p:extLst>
       <p:ext uri="{BB962C8B-B14F-4D97-AF65-F5344CB8AC3E}">
-        <p14:creationId xmlns:p14="http://schemas.microsoft.com/office/powerpoint/2010/main" val="485334491"/>
+        <p14:creationId xmlns:p14="http://schemas.microsoft.com/office/powerpoint/2010/main" val="3871125530"/>
       </p:ext>
     </p:extLst>
   </p:cSld>
@@ -8481,6 +10424,474 @@
       </p:sp>
       <p:pic>
         <p:nvPicPr>
+          <p:cNvPr id="5" name="Picture 4">
+            <a:extLst>
+              <a:ext uri="{FF2B5EF4-FFF2-40B4-BE49-F238E27FC236}">
+                <a16:creationId xmlns:a16="http://schemas.microsoft.com/office/drawing/2014/main" id="{22495ED6-30F8-792F-A892-DA0D66A8ECAD}"/>
+              </a:ext>
+            </a:extLst>
+          </p:cNvPr>
+          <p:cNvPicPr>
+            <a:picLocks noChangeAspect="1"/>
+          </p:cNvPicPr>
+          <p:nvPr/>
+        </p:nvPicPr>
+        <p:blipFill>
+          <a:blip r:embed="rId2"/>
+          <a:stretch>
+            <a:fillRect/>
+          </a:stretch>
+        </p:blipFill>
+        <p:spPr>
+          <a:xfrm>
+            <a:off x="1337598" y="104311"/>
+            <a:ext cx="9516803" cy="6649378"/>
+          </a:xfrm>
+          <a:prstGeom prst="rect">
+            <a:avLst/>
+          </a:prstGeom>
+        </p:spPr>
+      </p:pic>
+    </p:spTree>
+    <p:extLst>
+      <p:ext uri="{BB962C8B-B14F-4D97-AF65-F5344CB8AC3E}">
+        <p14:creationId xmlns:p14="http://schemas.microsoft.com/office/powerpoint/2010/main" val="611230357"/>
+      </p:ext>
+    </p:extLst>
+  </p:cSld>
+  <p:clrMapOvr>
+    <a:masterClrMapping/>
+  </p:clrMapOvr>
+</p:sld>
+</file>
+
+<file path=ppt/slides/slide26.xml><?xml version="1.0" encoding="utf-8"?>
+<p:sld xmlns:a="http://schemas.openxmlformats.org/drawingml/2006/main" xmlns:r="http://schemas.openxmlformats.org/officeDocument/2006/relationships" xmlns:p="http://schemas.openxmlformats.org/presentationml/2006/main">
+  <p:cSld>
+    <p:spTree>
+      <p:nvGrpSpPr>
+        <p:cNvPr id="1" name=""/>
+        <p:cNvGrpSpPr/>
+        <p:nvPr/>
+      </p:nvGrpSpPr>
+      <p:grpSpPr>
+        <a:xfrm>
+          <a:off x="0" y="0"/>
+          <a:ext cx="0" cy="0"/>
+          <a:chOff x="0" y="0"/>
+          <a:chExt cx="0" cy="0"/>
+        </a:xfrm>
+      </p:grpSpPr>
+      <p:sp>
+        <p:nvSpPr>
+          <p:cNvPr id="6" name="TextBox 5">
+            <a:extLst>
+              <a:ext uri="{FF2B5EF4-FFF2-40B4-BE49-F238E27FC236}">
+                <a16:creationId xmlns:a16="http://schemas.microsoft.com/office/drawing/2014/main" id="{749465AA-4BC0-0056-8660-8F706F73D192}"/>
+              </a:ext>
+            </a:extLst>
+          </p:cNvPr>
+          <p:cNvSpPr txBox="1"/>
+          <p:nvPr/>
+        </p:nvSpPr>
+        <p:spPr>
+          <a:xfrm>
+            <a:off x="0" y="0"/>
+            <a:ext cx="1266357" cy="954107"/>
+          </a:xfrm>
+          <a:prstGeom prst="rect">
+            <a:avLst/>
+          </a:prstGeom>
+          <a:solidFill>
+            <a:srgbClr val="FFC000"/>
+          </a:solidFill>
+        </p:spPr>
+        <p:txBody>
+          <a:bodyPr wrap="square" rtlCol="0">
+            <a:spAutoFit/>
+          </a:bodyPr>
+          <a:lstStyle/>
+          <a:p>
+            <a:r>
+              <a:rPr lang="en-US" sz="2800" dirty="0">
+                <a:solidFill>
+                  <a:srgbClr val="002060"/>
+                </a:solidFill>
+              </a:rPr>
+              <a:t>Docker</a:t>
+            </a:r>
+          </a:p>
+          <a:p>
+            <a:r>
+              <a:rPr lang="en-US" sz="2800" dirty="0">
+                <a:solidFill>
+                  <a:srgbClr val="002060"/>
+                </a:solidFill>
+              </a:rPr>
+              <a:t>Help</a:t>
+            </a:r>
+          </a:p>
+        </p:txBody>
+      </p:sp>
+      <p:sp>
+        <p:nvSpPr>
+          <p:cNvPr id="3" name="AutoShape 2" descr="🛠️">
+            <a:extLst>
+              <a:ext uri="{FF2B5EF4-FFF2-40B4-BE49-F238E27FC236}">
+                <a16:creationId xmlns:a16="http://schemas.microsoft.com/office/drawing/2014/main" id="{CE796F6E-FDF0-A681-CC39-818DE458F63C}"/>
+              </a:ext>
+            </a:extLst>
+          </p:cNvPr>
+          <p:cNvSpPr>
+            <a:spLocks noChangeAspect="1" noChangeArrowheads="1"/>
+          </p:cNvSpPr>
+          <p:nvPr/>
+        </p:nvSpPr>
+        <p:spPr bwMode="auto">
+          <a:xfrm>
+            <a:off x="2906713" y="-320675"/>
+            <a:ext cx="304800" cy="304800"/>
+          </a:xfrm>
+          <a:prstGeom prst="rect">
+            <a:avLst/>
+          </a:prstGeom>
+          <a:noFill/>
+          <a:extLst>
+            <a:ext uri="{909E8E84-426E-40DD-AFC4-6F175D3DCCD1}">
+              <a14:hiddenFill xmlns:a14="http://schemas.microsoft.com/office/drawing/2010/main">
+                <a:solidFill>
+                  <a:srgbClr val="FFFFFF"/>
+                </a:solidFill>
+              </a14:hiddenFill>
+            </a:ext>
+          </a:extLst>
+        </p:spPr>
+        <p:txBody>
+          <a:bodyPr vert="horz" wrap="square" lIns="91440" tIns="45720" rIns="91440" bIns="45720" numCol="1" anchor="t" anchorCtr="0" compatLnSpc="1">
+            <a:prstTxWarp prst="textNoShape">
+              <a:avLst/>
+            </a:prstTxWarp>
+          </a:bodyPr>
+          <a:lstStyle/>
+          <a:p>
+            <a:endParaRPr lang="en-US"/>
+          </a:p>
+        </p:txBody>
+      </p:sp>
+      <p:pic>
+        <p:nvPicPr>
+          <p:cNvPr id="5" name="Picture 4">
+            <a:extLst>
+              <a:ext uri="{FF2B5EF4-FFF2-40B4-BE49-F238E27FC236}">
+                <a16:creationId xmlns:a16="http://schemas.microsoft.com/office/drawing/2014/main" id="{E7439735-4404-3539-D255-7D041548CEA0}"/>
+              </a:ext>
+            </a:extLst>
+          </p:cNvPr>
+          <p:cNvPicPr>
+            <a:picLocks noChangeAspect="1"/>
+          </p:cNvPicPr>
+          <p:nvPr/>
+        </p:nvPicPr>
+        <p:blipFill>
+          <a:blip r:embed="rId2"/>
+          <a:stretch>
+            <a:fillRect/>
+          </a:stretch>
+        </p:blipFill>
+        <p:spPr>
+          <a:xfrm>
+            <a:off x="1218519" y="218627"/>
+            <a:ext cx="9754961" cy="6420746"/>
+          </a:xfrm>
+          <a:prstGeom prst="rect">
+            <a:avLst/>
+          </a:prstGeom>
+        </p:spPr>
+      </p:pic>
+    </p:spTree>
+    <p:extLst>
+      <p:ext uri="{BB962C8B-B14F-4D97-AF65-F5344CB8AC3E}">
+        <p14:creationId xmlns:p14="http://schemas.microsoft.com/office/powerpoint/2010/main" val="3542707332"/>
+      </p:ext>
+    </p:extLst>
+  </p:cSld>
+  <p:clrMapOvr>
+    <a:masterClrMapping/>
+  </p:clrMapOvr>
+</p:sld>
+</file>
+
+<file path=ppt/slides/slide27.xml><?xml version="1.0" encoding="utf-8"?>
+<p:sld xmlns:a="http://schemas.openxmlformats.org/drawingml/2006/main" xmlns:r="http://schemas.openxmlformats.org/officeDocument/2006/relationships" xmlns:p="http://schemas.openxmlformats.org/presentationml/2006/main">
+  <p:cSld>
+    <p:spTree>
+      <p:nvGrpSpPr>
+        <p:cNvPr id="1" name=""/>
+        <p:cNvGrpSpPr/>
+        <p:nvPr/>
+      </p:nvGrpSpPr>
+      <p:grpSpPr>
+        <a:xfrm>
+          <a:off x="0" y="0"/>
+          <a:ext cx="0" cy="0"/>
+          <a:chOff x="0" y="0"/>
+          <a:chExt cx="0" cy="0"/>
+        </a:xfrm>
+      </p:grpSpPr>
+      <p:sp>
+        <p:nvSpPr>
+          <p:cNvPr id="6" name="TextBox 5">
+            <a:extLst>
+              <a:ext uri="{FF2B5EF4-FFF2-40B4-BE49-F238E27FC236}">
+                <a16:creationId xmlns:a16="http://schemas.microsoft.com/office/drawing/2014/main" id="{749465AA-4BC0-0056-8660-8F706F73D192}"/>
+              </a:ext>
+            </a:extLst>
+          </p:cNvPr>
+          <p:cNvSpPr txBox="1"/>
+          <p:nvPr/>
+        </p:nvSpPr>
+        <p:spPr>
+          <a:xfrm>
+            <a:off x="0" y="0"/>
+            <a:ext cx="1266357" cy="954107"/>
+          </a:xfrm>
+          <a:prstGeom prst="rect">
+            <a:avLst/>
+          </a:prstGeom>
+          <a:solidFill>
+            <a:srgbClr val="FFC000"/>
+          </a:solidFill>
+        </p:spPr>
+        <p:txBody>
+          <a:bodyPr wrap="square" rtlCol="0">
+            <a:spAutoFit/>
+          </a:bodyPr>
+          <a:lstStyle/>
+          <a:p>
+            <a:r>
+              <a:rPr lang="en-US" sz="2800" dirty="0">
+                <a:solidFill>
+                  <a:srgbClr val="002060"/>
+                </a:solidFill>
+              </a:rPr>
+              <a:t>Docker</a:t>
+            </a:r>
+          </a:p>
+          <a:p>
+            <a:r>
+              <a:rPr lang="en-US" sz="2800" dirty="0">
+                <a:solidFill>
+                  <a:srgbClr val="002060"/>
+                </a:solidFill>
+              </a:rPr>
+              <a:t>Help</a:t>
+            </a:r>
+          </a:p>
+        </p:txBody>
+      </p:sp>
+      <p:sp>
+        <p:nvSpPr>
+          <p:cNvPr id="3" name="AutoShape 2" descr="🛠️">
+            <a:extLst>
+              <a:ext uri="{FF2B5EF4-FFF2-40B4-BE49-F238E27FC236}">
+                <a16:creationId xmlns:a16="http://schemas.microsoft.com/office/drawing/2014/main" id="{CE796F6E-FDF0-A681-CC39-818DE458F63C}"/>
+              </a:ext>
+            </a:extLst>
+          </p:cNvPr>
+          <p:cNvSpPr>
+            <a:spLocks noChangeAspect="1" noChangeArrowheads="1"/>
+          </p:cNvSpPr>
+          <p:nvPr/>
+        </p:nvSpPr>
+        <p:spPr bwMode="auto">
+          <a:xfrm>
+            <a:off x="2906713" y="-320675"/>
+            <a:ext cx="304800" cy="304800"/>
+          </a:xfrm>
+          <a:prstGeom prst="rect">
+            <a:avLst/>
+          </a:prstGeom>
+          <a:noFill/>
+          <a:extLst>
+            <a:ext uri="{909E8E84-426E-40DD-AFC4-6F175D3DCCD1}">
+              <a14:hiddenFill xmlns:a14="http://schemas.microsoft.com/office/drawing/2010/main">
+                <a:solidFill>
+                  <a:srgbClr val="FFFFFF"/>
+                </a:solidFill>
+              </a14:hiddenFill>
+            </a:ext>
+          </a:extLst>
+        </p:spPr>
+        <p:txBody>
+          <a:bodyPr vert="horz" wrap="square" lIns="91440" tIns="45720" rIns="91440" bIns="45720" numCol="1" anchor="t" anchorCtr="0" compatLnSpc="1">
+            <a:prstTxWarp prst="textNoShape">
+              <a:avLst/>
+            </a:prstTxWarp>
+          </a:bodyPr>
+          <a:lstStyle/>
+          <a:p>
+            <a:endParaRPr lang="en-US"/>
+          </a:p>
+        </p:txBody>
+      </p:sp>
+      <p:pic>
+        <p:nvPicPr>
+          <p:cNvPr id="5" name="Picture 4">
+            <a:extLst>
+              <a:ext uri="{FF2B5EF4-FFF2-40B4-BE49-F238E27FC236}">
+                <a16:creationId xmlns:a16="http://schemas.microsoft.com/office/drawing/2014/main" id="{3D061D75-FDC8-9BA6-C0D6-2D835A3E279C}"/>
+              </a:ext>
+            </a:extLst>
+          </p:cNvPr>
+          <p:cNvPicPr>
+            <a:picLocks noChangeAspect="1"/>
+          </p:cNvPicPr>
+          <p:nvPr/>
+        </p:nvPicPr>
+        <p:blipFill>
+          <a:blip r:embed="rId2"/>
+          <a:stretch>
+            <a:fillRect/>
+          </a:stretch>
+        </p:blipFill>
+        <p:spPr>
+          <a:xfrm>
+            <a:off x="1915438" y="0"/>
+            <a:ext cx="8361124" cy="6858000"/>
+          </a:xfrm>
+          <a:prstGeom prst="rect">
+            <a:avLst/>
+          </a:prstGeom>
+        </p:spPr>
+      </p:pic>
+    </p:spTree>
+    <p:extLst>
+      <p:ext uri="{BB962C8B-B14F-4D97-AF65-F5344CB8AC3E}">
+        <p14:creationId xmlns:p14="http://schemas.microsoft.com/office/powerpoint/2010/main" val="485334491"/>
+      </p:ext>
+    </p:extLst>
+  </p:cSld>
+  <p:clrMapOvr>
+    <a:masterClrMapping/>
+  </p:clrMapOvr>
+</p:sld>
+</file>
+
+<file path=ppt/slides/slide28.xml><?xml version="1.0" encoding="utf-8"?>
+<p:sld xmlns:a="http://schemas.openxmlformats.org/drawingml/2006/main" xmlns:r="http://schemas.openxmlformats.org/officeDocument/2006/relationships" xmlns:p="http://schemas.openxmlformats.org/presentationml/2006/main">
+  <p:cSld>
+    <p:spTree>
+      <p:nvGrpSpPr>
+        <p:cNvPr id="1" name=""/>
+        <p:cNvGrpSpPr/>
+        <p:nvPr/>
+      </p:nvGrpSpPr>
+      <p:grpSpPr>
+        <a:xfrm>
+          <a:off x="0" y="0"/>
+          <a:ext cx="0" cy="0"/>
+          <a:chOff x="0" y="0"/>
+          <a:chExt cx="0" cy="0"/>
+        </a:xfrm>
+      </p:grpSpPr>
+      <p:sp>
+        <p:nvSpPr>
+          <p:cNvPr id="6" name="TextBox 5">
+            <a:extLst>
+              <a:ext uri="{FF2B5EF4-FFF2-40B4-BE49-F238E27FC236}">
+                <a16:creationId xmlns:a16="http://schemas.microsoft.com/office/drawing/2014/main" id="{749465AA-4BC0-0056-8660-8F706F73D192}"/>
+              </a:ext>
+            </a:extLst>
+          </p:cNvPr>
+          <p:cNvSpPr txBox="1"/>
+          <p:nvPr/>
+        </p:nvSpPr>
+        <p:spPr>
+          <a:xfrm>
+            <a:off x="0" y="0"/>
+            <a:ext cx="1266357" cy="954107"/>
+          </a:xfrm>
+          <a:prstGeom prst="rect">
+            <a:avLst/>
+          </a:prstGeom>
+          <a:solidFill>
+            <a:srgbClr val="FFC000"/>
+          </a:solidFill>
+        </p:spPr>
+        <p:txBody>
+          <a:bodyPr wrap="square" rtlCol="0">
+            <a:spAutoFit/>
+          </a:bodyPr>
+          <a:lstStyle/>
+          <a:p>
+            <a:r>
+              <a:rPr lang="en-US" sz="2800" dirty="0">
+                <a:solidFill>
+                  <a:srgbClr val="002060"/>
+                </a:solidFill>
+              </a:rPr>
+              <a:t>Docker</a:t>
+            </a:r>
+          </a:p>
+          <a:p>
+            <a:r>
+              <a:rPr lang="en-US" sz="2800" dirty="0">
+                <a:solidFill>
+                  <a:srgbClr val="002060"/>
+                </a:solidFill>
+              </a:rPr>
+              <a:t>Help</a:t>
+            </a:r>
+          </a:p>
+        </p:txBody>
+      </p:sp>
+      <p:sp>
+        <p:nvSpPr>
+          <p:cNvPr id="3" name="AutoShape 2" descr="🛠️">
+            <a:extLst>
+              <a:ext uri="{FF2B5EF4-FFF2-40B4-BE49-F238E27FC236}">
+                <a16:creationId xmlns:a16="http://schemas.microsoft.com/office/drawing/2014/main" id="{CE796F6E-FDF0-A681-CC39-818DE458F63C}"/>
+              </a:ext>
+            </a:extLst>
+          </p:cNvPr>
+          <p:cNvSpPr>
+            <a:spLocks noChangeAspect="1" noChangeArrowheads="1"/>
+          </p:cNvSpPr>
+          <p:nvPr/>
+        </p:nvSpPr>
+        <p:spPr bwMode="auto">
+          <a:xfrm>
+            <a:off x="2906713" y="-320675"/>
+            <a:ext cx="304800" cy="304800"/>
+          </a:xfrm>
+          <a:prstGeom prst="rect">
+            <a:avLst/>
+          </a:prstGeom>
+          <a:noFill/>
+          <a:extLst>
+            <a:ext uri="{909E8E84-426E-40DD-AFC4-6F175D3DCCD1}">
+              <a14:hiddenFill xmlns:a14="http://schemas.microsoft.com/office/drawing/2010/main">
+                <a:solidFill>
+                  <a:srgbClr val="FFFFFF"/>
+                </a:solidFill>
+              </a14:hiddenFill>
+            </a:ext>
+          </a:extLst>
+        </p:spPr>
+        <p:txBody>
+          <a:bodyPr vert="horz" wrap="square" lIns="91440" tIns="45720" rIns="91440" bIns="45720" numCol="1" anchor="t" anchorCtr="0" compatLnSpc="1">
+            <a:prstTxWarp prst="textNoShape">
+              <a:avLst/>
+            </a:prstTxWarp>
+          </a:bodyPr>
+          <a:lstStyle/>
+          <a:p>
+            <a:endParaRPr lang="en-US"/>
+          </a:p>
+        </p:txBody>
+      </p:sp>
+      <p:pic>
+        <p:nvPicPr>
           <p:cNvPr id="4" name="Picture 3">
             <a:extLst>
               <a:ext uri="{FF2B5EF4-FFF2-40B4-BE49-F238E27FC236}">
@@ -8522,7 +10933,7 @@
 </p:sld>
 </file>
 
-<file path=ppt/slides/slide26.xml><?xml version="1.0" encoding="utf-8"?>
+<file path=ppt/slides/slide29.xml><?xml version="1.0" encoding="utf-8"?>
 <p:sld xmlns:a="http://schemas.openxmlformats.org/drawingml/2006/main" xmlns:r="http://schemas.openxmlformats.org/officeDocument/2006/relationships" xmlns:p="http://schemas.openxmlformats.org/presentationml/2006/main">
   <p:cSld>
     <p:spTree>
